--- a/project-files/Aviation-Accident-Analysis.pptx
+++ b/project-files/Aviation-Accident-Analysis.pptx
@@ -18,6 +18,7 @@
     <p:sldId id="261" r:id="rId12"/>
     <p:sldId id="262" r:id="rId13"/>
     <p:sldId id="260" r:id="rId14"/>
+    <p:sldId id="269" r:id="rId15"/>
   </p:sldIdLst>
   <p:sldSz cx="12192000" cy="6858000"/>
   <p:notesSz cx="6858000" cy="9144000"/>
@@ -126,6 +127,53 @@
 
 <file path=ppt/changesInfos/changesInfo1.xml><?xml version="1.0" encoding="utf-8"?>
 <pc:chgInfo xmlns:a="http://schemas.openxmlformats.org/drawingml/2006/main" xmlns:r="http://schemas.openxmlformats.org/officeDocument/2006/relationships" xmlns:ac="http://schemas.microsoft.com/office/drawing/2013/main/command" xmlns:pc="http://schemas.microsoft.com/office/powerpoint/2013/main/command">
+  <pc:docChgLst>
+    <pc:chgData name="BRIAN WAWERU" userId="3fb8e1fabb4e43de" providerId="LiveId" clId="{96D003EF-2576-412D-8E6E-DDEE88524008}"/>
+    <pc:docChg chg="undo custSel addSld modSld">
+      <pc:chgData name="BRIAN WAWERU" userId="3fb8e1fabb4e43de" providerId="LiveId" clId="{96D003EF-2576-412D-8E6E-DDEE88524008}" dt="2025-02-14T16:02:16.874" v="75" actId="113"/>
+      <pc:docMkLst>
+        <pc:docMk/>
+      </pc:docMkLst>
+      <pc:sldChg chg="modSp mod">
+        <pc:chgData name="BRIAN WAWERU" userId="3fb8e1fabb4e43de" providerId="LiveId" clId="{96D003EF-2576-412D-8E6E-DDEE88524008}" dt="2025-02-14T14:42:33.249" v="1" actId="21"/>
+        <pc:sldMkLst>
+          <pc:docMk/>
+          <pc:sldMk cId="285880447" sldId="256"/>
+        </pc:sldMkLst>
+        <pc:spChg chg="mod">
+          <ac:chgData name="BRIAN WAWERU" userId="3fb8e1fabb4e43de" providerId="LiveId" clId="{96D003EF-2576-412D-8E6E-DDEE88524008}" dt="2025-02-14T14:42:33.249" v="1" actId="21"/>
+          <ac:spMkLst>
+            <pc:docMk/>
+            <pc:sldMk cId="285880447" sldId="256"/>
+            <ac:spMk id="2" creationId="{A853BA7F-5EB1-5F90-A93B-4CC8BE104C4B}"/>
+          </ac:spMkLst>
+        </pc:spChg>
+      </pc:sldChg>
+      <pc:sldChg chg="modSp new mod">
+        <pc:chgData name="BRIAN WAWERU" userId="3fb8e1fabb4e43de" providerId="LiveId" clId="{96D003EF-2576-412D-8E6E-DDEE88524008}" dt="2025-02-14T16:02:16.874" v="75" actId="113"/>
+        <pc:sldMkLst>
+          <pc:docMk/>
+          <pc:sldMk cId="2258339404" sldId="269"/>
+        </pc:sldMkLst>
+        <pc:spChg chg="mod">
+          <ac:chgData name="BRIAN WAWERU" userId="3fb8e1fabb4e43de" providerId="LiveId" clId="{96D003EF-2576-412D-8E6E-DDEE88524008}" dt="2025-02-14T16:00:45.580" v="17" actId="403"/>
+          <ac:spMkLst>
+            <pc:docMk/>
+            <pc:sldMk cId="2258339404" sldId="269"/>
+            <ac:spMk id="2" creationId="{5A09A7BC-82DC-0F74-778E-7368FF68F869}"/>
+          </ac:spMkLst>
+        </pc:spChg>
+        <pc:spChg chg="mod">
+          <ac:chgData name="BRIAN WAWERU" userId="3fb8e1fabb4e43de" providerId="LiveId" clId="{96D003EF-2576-412D-8E6E-DDEE88524008}" dt="2025-02-14T16:02:16.874" v="75" actId="113"/>
+          <ac:spMkLst>
+            <pc:docMk/>
+            <pc:sldMk cId="2258339404" sldId="269"/>
+            <ac:spMk id="3" creationId="{B7FC1CB5-28DC-9DEA-0057-B474DE9B2EA2}"/>
+          </ac:spMkLst>
+        </pc:spChg>
+      </pc:sldChg>
+    </pc:docChg>
+  </pc:docChgLst>
   <pc:docChgLst>
     <pc:chgData name="BRIAN WAWERU" userId="3fb8e1fabb4e43de" providerId="LiveId" clId="{CC11B3C3-5339-4880-8000-3559BB9B68A6}"/>
     <pc:docChg chg="undo custSel addSld modSld">
@@ -564,7 +612,7 @@
           <a:p>
             <a:fld id="{BFD5F710-CBA8-4918-A5B2-A827B8B90A4B}" type="datetimeFigureOut">
               <a:rPr lang="en-KE" smtClean="0"/>
-              <a:t>12/02/2025</a:t>
+              <a:t>14/02/2025</a:t>
             </a:fld>
             <a:endParaRPr lang="en-KE"/>
           </a:p>
@@ -1652,7 +1700,7 @@
           <a:p>
             <a:fld id="{BFD5F710-CBA8-4918-A5B2-A827B8B90A4B}" type="datetimeFigureOut">
               <a:rPr lang="en-KE" smtClean="0"/>
-              <a:t>12/02/2025</a:t>
+              <a:t>14/02/2025</a:t>
             </a:fld>
             <a:endParaRPr lang="en-KE"/>
           </a:p>
@@ -2632,7 +2680,7 @@
           <a:p>
             <a:fld id="{BFD5F710-CBA8-4918-A5B2-A827B8B90A4B}" type="datetimeFigureOut">
               <a:rPr lang="en-KE" smtClean="0"/>
-              <a:t>12/02/2025</a:t>
+              <a:t>14/02/2025</a:t>
             </a:fld>
             <a:endParaRPr lang="en-KE"/>
           </a:p>
@@ -3766,7 +3814,7 @@
           <a:p>
             <a:fld id="{BFD5F710-CBA8-4918-A5B2-A827B8B90A4B}" type="datetimeFigureOut">
               <a:rPr lang="en-KE" smtClean="0"/>
-              <a:t>12/02/2025</a:t>
+              <a:t>14/02/2025</a:t>
             </a:fld>
             <a:endParaRPr lang="en-KE"/>
           </a:p>
@@ -4799,7 +4847,7 @@
           <a:p>
             <a:fld id="{BFD5F710-CBA8-4918-A5B2-A827B8B90A4B}" type="datetimeFigureOut">
               <a:rPr lang="en-KE" smtClean="0"/>
-              <a:t>12/02/2025</a:t>
+              <a:t>14/02/2025</a:t>
             </a:fld>
             <a:endParaRPr lang="en-KE"/>
           </a:p>
@@ -5459,7 +5507,7 @@
           <a:p>
             <a:fld id="{BFD5F710-CBA8-4918-A5B2-A827B8B90A4B}" type="datetimeFigureOut">
               <a:rPr lang="en-KE" smtClean="0"/>
-              <a:t>12/02/2025</a:t>
+              <a:t>14/02/2025</a:t>
             </a:fld>
             <a:endParaRPr lang="en-KE"/>
           </a:p>
@@ -6320,7 +6368,7 @@
           <a:p>
             <a:fld id="{BFD5F710-CBA8-4918-A5B2-A827B8B90A4B}" type="datetimeFigureOut">
               <a:rPr lang="en-KE" smtClean="0"/>
-              <a:t>12/02/2025</a:t>
+              <a:t>14/02/2025</a:t>
             </a:fld>
             <a:endParaRPr lang="en-KE"/>
           </a:p>
@@ -6510,7 +6558,7 @@
           <a:p>
             <a:fld id="{BFD5F710-CBA8-4918-A5B2-A827B8B90A4B}" type="datetimeFigureOut">
               <a:rPr lang="en-KE" smtClean="0"/>
-              <a:t>12/02/2025</a:t>
+              <a:t>14/02/2025</a:t>
             </a:fld>
             <a:endParaRPr lang="en-KE"/>
           </a:p>
@@ -7482,7 +7530,7 @@
           <a:p>
             <a:fld id="{BFD5F710-CBA8-4918-A5B2-A827B8B90A4B}" type="datetimeFigureOut">
               <a:rPr lang="en-KE" smtClean="0"/>
-              <a:t>12/02/2025</a:t>
+              <a:t>14/02/2025</a:t>
             </a:fld>
             <a:endParaRPr lang="en-KE"/>
           </a:p>
@@ -7693,7 +7741,7 @@
           <a:p>
             <a:fld id="{BFD5F710-CBA8-4918-A5B2-A827B8B90A4B}" type="datetimeFigureOut">
               <a:rPr lang="en-KE" smtClean="0"/>
-              <a:t>12/02/2025</a:t>
+              <a:t>14/02/2025</a:t>
             </a:fld>
             <a:endParaRPr lang="en-KE"/>
           </a:p>
@@ -8727,7 +8775,7 @@
           <a:p>
             <a:fld id="{BFD5F710-CBA8-4918-A5B2-A827B8B90A4B}" type="datetimeFigureOut">
               <a:rPr lang="en-KE" smtClean="0"/>
-              <a:t>12/02/2025</a:t>
+              <a:t>14/02/2025</a:t>
             </a:fld>
             <a:endParaRPr lang="en-KE"/>
           </a:p>
@@ -8999,7 +9047,7 @@
           <a:p>
             <a:fld id="{BFD5F710-CBA8-4918-A5B2-A827B8B90A4B}" type="datetimeFigureOut">
               <a:rPr lang="en-KE" smtClean="0"/>
-              <a:t>12/02/2025</a:t>
+              <a:t>14/02/2025</a:t>
             </a:fld>
             <a:endParaRPr lang="en-KE"/>
           </a:p>
@@ -9409,7 +9457,7 @@
           <a:p>
             <a:fld id="{BFD5F710-CBA8-4918-A5B2-A827B8B90A4B}" type="datetimeFigureOut">
               <a:rPr lang="en-KE" smtClean="0"/>
-              <a:t>12/02/2025</a:t>
+              <a:t>14/02/2025</a:t>
             </a:fld>
             <a:endParaRPr lang="en-KE"/>
           </a:p>
@@ -9536,7 +9584,7 @@
           <a:p>
             <a:fld id="{BFD5F710-CBA8-4918-A5B2-A827B8B90A4B}" type="datetimeFigureOut">
               <a:rPr lang="en-KE" smtClean="0"/>
-              <a:t>12/02/2025</a:t>
+              <a:t>14/02/2025</a:t>
             </a:fld>
             <a:endParaRPr lang="en-KE"/>
           </a:p>
@@ -9631,7 +9679,7 @@
           <a:p>
             <a:fld id="{BFD5F710-CBA8-4918-A5B2-A827B8B90A4B}" type="datetimeFigureOut">
               <a:rPr lang="en-KE" smtClean="0"/>
-              <a:t>12/02/2025</a:t>
+              <a:t>14/02/2025</a:t>
             </a:fld>
             <a:endParaRPr lang="en-KE"/>
           </a:p>
@@ -10712,7 +10760,7 @@
           <a:p>
             <a:fld id="{BFD5F710-CBA8-4918-A5B2-A827B8B90A4B}" type="datetimeFigureOut">
               <a:rPr lang="en-KE" smtClean="0"/>
-              <a:t>12/02/2025</a:t>
+              <a:t>14/02/2025</a:t>
             </a:fld>
             <a:endParaRPr lang="en-KE"/>
           </a:p>
@@ -11820,7 +11868,7 @@
           <a:p>
             <a:fld id="{BFD5F710-CBA8-4918-A5B2-A827B8B90A4B}" type="datetimeFigureOut">
               <a:rPr lang="en-KE" smtClean="0"/>
-              <a:t>12/02/2025</a:t>
+              <a:t>14/02/2025</a:t>
             </a:fld>
             <a:endParaRPr lang="en-KE"/>
           </a:p>
@@ -12817,7 +12865,7 @@
           <a:p>
             <a:fld id="{BFD5F710-CBA8-4918-A5B2-A827B8B90A4B}" type="datetimeFigureOut">
               <a:rPr lang="en-KE" smtClean="0"/>
-              <a:t>12/02/2025</a:t>
+              <a:t>14/02/2025</a:t>
             </a:fld>
             <a:endParaRPr lang="en-KE"/>
           </a:p>
@@ -13831,6 +13879,133 @@
     <p:extLst>
       <p:ext uri="{BB962C8B-B14F-4D97-AF65-F5344CB8AC3E}">
         <p14:creationId xmlns:p14="http://schemas.microsoft.com/office/powerpoint/2010/main" val="1382671887"/>
+      </p:ext>
+    </p:extLst>
+  </p:cSld>
+  <p:clrMapOvr>
+    <a:masterClrMapping/>
+  </p:clrMapOvr>
+</p:sld>
+</file>
+
+<file path=ppt/slides/slide14.xml><?xml version="1.0" encoding="utf-8"?>
+<p:sld xmlns:a="http://schemas.openxmlformats.org/drawingml/2006/main" xmlns:r="http://schemas.openxmlformats.org/officeDocument/2006/relationships" xmlns:p="http://schemas.openxmlformats.org/presentationml/2006/main">
+  <p:cSld>
+    <p:spTree>
+      <p:nvGrpSpPr>
+        <p:cNvPr id="1" name=""/>
+        <p:cNvGrpSpPr/>
+        <p:nvPr/>
+      </p:nvGrpSpPr>
+      <p:grpSpPr>
+        <a:xfrm>
+          <a:off x="0" y="0"/>
+          <a:ext cx="0" cy="0"/>
+          <a:chOff x="0" y="0"/>
+          <a:chExt cx="0" cy="0"/>
+        </a:xfrm>
+      </p:grpSpPr>
+      <p:sp>
+        <p:nvSpPr>
+          <p:cNvPr id="2" name="Title 1">
+            <a:extLst>
+              <a:ext uri="{FF2B5EF4-FFF2-40B4-BE49-F238E27FC236}">
+                <a16:creationId xmlns:a16="http://schemas.microsoft.com/office/drawing/2014/main" id="{5A09A7BC-82DC-0F74-778E-7368FF68F869}"/>
+              </a:ext>
+            </a:extLst>
+          </p:cNvPr>
+          <p:cNvSpPr>
+            <a:spLocks noGrp="1"/>
+          </p:cNvSpPr>
+          <p:nvPr>
+            <p:ph type="title"/>
+          </p:nvPr>
+        </p:nvSpPr>
+        <p:spPr/>
+        <p:txBody>
+          <a:bodyPr/>
+          <a:lstStyle/>
+          <a:p>
+            <a:pPr algn="ctr"/>
+            <a:r>
+              <a:rPr lang="en-US" sz="4800" b="1" dirty="0"/>
+              <a:t>References</a:t>
+            </a:r>
+            <a:endParaRPr lang="en-KE" sz="4800" b="1" dirty="0"/>
+          </a:p>
+        </p:txBody>
+      </p:sp>
+      <p:sp>
+        <p:nvSpPr>
+          <p:cNvPr id="3" name="Content Placeholder 2">
+            <a:extLst>
+              <a:ext uri="{FF2B5EF4-FFF2-40B4-BE49-F238E27FC236}">
+                <a16:creationId xmlns:a16="http://schemas.microsoft.com/office/drawing/2014/main" id="{B7FC1CB5-28DC-9DEA-0057-B474DE9B2EA2}"/>
+              </a:ext>
+            </a:extLst>
+          </p:cNvPr>
+          <p:cNvSpPr>
+            <a:spLocks noGrp="1"/>
+          </p:cNvSpPr>
+          <p:nvPr>
+            <p:ph idx="1"/>
+          </p:nvPr>
+        </p:nvSpPr>
+        <p:spPr/>
+        <p:txBody>
+          <a:bodyPr>
+            <a:normAutofit/>
+          </a:bodyPr>
+          <a:lstStyle/>
+          <a:p>
+            <a:pPr>
+              <a:buFont typeface="+mj-lt"/>
+              <a:buAutoNum type="arabicPeriod"/>
+            </a:pPr>
+            <a:r>
+              <a:rPr lang="en-US" sz="2400" b="1" dirty="0"/>
+              <a:t>Tableau-Visualization: </a:t>
+            </a:r>
+            <a:r>
+              <a:rPr lang="en-KE" sz="2400" dirty="0">
+                <a:hlinkClick r:id="rId2"/>
+              </a:rPr>
+              <a:t>https://public.tableau.com/authoring/waweru-dsc-phase-1-project-viz-v2/Sheet1/Dashboard%201#1</a:t>
+            </a:r>
+            <a:endParaRPr lang="en-US" sz="2400" dirty="0"/>
+          </a:p>
+          <a:p>
+            <a:pPr>
+              <a:buFont typeface="+mj-lt"/>
+              <a:buAutoNum type="arabicPeriod"/>
+            </a:pPr>
+            <a:r>
+              <a:rPr lang="en-US" sz="2400" b="1" dirty="0"/>
+              <a:t>Git-Repository:</a:t>
+            </a:r>
+            <a:br>
+              <a:rPr lang="en-US" sz="2400" dirty="0"/>
+            </a:br>
+            <a:r>
+              <a:rPr lang="en-US" sz="2400" dirty="0" err="1">
+                <a:hlinkClick r:id="rId3"/>
+              </a:rPr>
+              <a:t>rurigi-waweru</a:t>
+            </a:r>
+            <a:r>
+              <a:rPr lang="en-US" sz="2400" dirty="0">
+                <a:hlinkClick r:id="rId3"/>
+              </a:rPr>
+              <a:t>/dsfpt10-p1-dsc-phase-1-project: Phase-01-Final-Project, 09-02-2025</a:t>
+            </a:r>
+            <a:endParaRPr lang="en-US" sz="2400" dirty="0"/>
+          </a:p>
+        </p:txBody>
+      </p:sp>
+    </p:spTree>
+    <p:extLst>
+      <p:ext uri="{BB962C8B-B14F-4D97-AF65-F5344CB8AC3E}">
+        <p14:creationId xmlns:p14="http://schemas.microsoft.com/office/powerpoint/2010/main" val="2258339404"/>
       </p:ext>
     </p:extLst>
   </p:cSld>

--- a/project-files/Aviation-Accident-Analysis.pptx
+++ b/project-files/Aviation-Accident-Analysis.pptx
@@ -130,7 +130,7 @@
   <pc:docChgLst>
     <pc:chgData name="BRIAN WAWERU" userId="3fb8e1fabb4e43de" providerId="LiveId" clId="{96D003EF-2576-412D-8E6E-DDEE88524008}"/>
     <pc:docChg chg="undo custSel addSld modSld">
-      <pc:chgData name="BRIAN WAWERU" userId="3fb8e1fabb4e43de" providerId="LiveId" clId="{96D003EF-2576-412D-8E6E-DDEE88524008}" dt="2025-02-14T16:02:16.874" v="75" actId="113"/>
+      <pc:chgData name="BRIAN WAWERU" userId="3fb8e1fabb4e43de" providerId="LiveId" clId="{96D003EF-2576-412D-8E6E-DDEE88524008}" dt="2025-02-14T16:36:18.376" v="167" actId="404"/>
       <pc:docMkLst>
         <pc:docMk/>
       </pc:docMkLst>
@@ -150,7 +150,7 @@
         </pc:spChg>
       </pc:sldChg>
       <pc:sldChg chg="modSp new mod">
-        <pc:chgData name="BRIAN WAWERU" userId="3fb8e1fabb4e43de" providerId="LiveId" clId="{96D003EF-2576-412D-8E6E-DDEE88524008}" dt="2025-02-14T16:02:16.874" v="75" actId="113"/>
+        <pc:chgData name="BRIAN WAWERU" userId="3fb8e1fabb4e43de" providerId="LiveId" clId="{96D003EF-2576-412D-8E6E-DDEE88524008}" dt="2025-02-14T16:36:18.376" v="167" actId="404"/>
         <pc:sldMkLst>
           <pc:docMk/>
           <pc:sldMk cId="2258339404" sldId="269"/>
@@ -164,7 +164,7 @@
           </ac:spMkLst>
         </pc:spChg>
         <pc:spChg chg="mod">
-          <ac:chgData name="BRIAN WAWERU" userId="3fb8e1fabb4e43de" providerId="LiveId" clId="{96D003EF-2576-412D-8E6E-DDEE88524008}" dt="2025-02-14T16:02:16.874" v="75" actId="113"/>
+          <ac:chgData name="BRIAN WAWERU" userId="3fb8e1fabb4e43de" providerId="LiveId" clId="{96D003EF-2576-412D-8E6E-DDEE88524008}" dt="2025-02-14T16:36:18.376" v="167" actId="404"/>
           <ac:spMkLst>
             <pc:docMk/>
             <pc:sldMk cId="2258339404" sldId="269"/>
@@ -13951,7 +13951,12 @@
             <p:ph idx="1"/>
           </p:nvPr>
         </p:nvSpPr>
-        <p:spPr/>
+        <p:spPr>
+          <a:xfrm>
+            <a:off x="474134" y="2603499"/>
+            <a:ext cx="11243733" cy="3932767"/>
+          </a:xfrm>
+        </p:spPr>
         <p:txBody>
           <a:bodyPr>
             <a:normAutofit/>
@@ -13966,11 +13971,37 @@
               <a:rPr lang="en-US" sz="2400" b="1" dirty="0"/>
               <a:t>Tableau-Visualization: </a:t>
             </a:r>
+            <a:br>
+              <a:rPr lang="en-US" sz="2400" b="1" dirty="0"/>
+            </a:br>
+            <a:r>
+              <a:rPr lang="en-US" sz="1600" dirty="0"/>
+              <a:t>Version 2:</a:t>
+            </a:r>
+            <a:br>
+              <a:rPr lang="en-US" sz="2400" dirty="0"/>
+            </a:br>
             <a:r>
               <a:rPr lang="en-KE" sz="2400" dirty="0">
                 <a:hlinkClick r:id="rId2"/>
               </a:rPr>
               <a:t>https://public.tableau.com/authoring/waweru-dsc-phase-1-project-viz-v2/Sheet1/Dashboard%201#1</a:t>
+            </a:r>
+            <a:br>
+              <a:rPr lang="en-US" sz="2400" dirty="0"/>
+            </a:br>
+            <a:r>
+              <a:rPr lang="en-US" sz="1600" dirty="0"/>
+              <a:t>Version 3:</a:t>
+            </a:r>
+            <a:br>
+              <a:rPr lang="en-US" sz="2400" dirty="0"/>
+            </a:br>
+            <a:r>
+              <a:rPr lang="en-US" sz="2400" dirty="0">
+                <a:hlinkClick r:id="rId3"/>
+              </a:rPr>
+              <a:t>https://public.tableau.com/app/profile/brian.waweru/viz/waweru-dsc-phase-1-project-viz-v3/Dashboard1?publish=yes</a:t>
             </a:r>
             <a:endParaRPr lang="en-US" sz="2400" dirty="0"/>
           </a:p>
@@ -13988,13 +14019,13 @@
             </a:br>
             <a:r>
               <a:rPr lang="en-US" sz="2400" dirty="0" err="1">
-                <a:hlinkClick r:id="rId3"/>
+                <a:hlinkClick r:id="rId4"/>
               </a:rPr>
               <a:t>rurigi-waweru</a:t>
             </a:r>
             <a:r>
               <a:rPr lang="en-US" sz="2400" dirty="0">
-                <a:hlinkClick r:id="rId3"/>
+                <a:hlinkClick r:id="rId4"/>
               </a:rPr>
               <a:t>/dsfpt10-p1-dsc-phase-1-project: Phase-01-Final-Project, 09-02-2025</a:t>
             </a:r>

--- a/project-files/Aviation-Accident-Analysis.pptx
+++ b/project-files/Aviation-Accident-Analysis.pptx
@@ -6,19 +6,15 @@
   </p:sldMasterIdLst>
   <p:sldIdLst>
     <p:sldId id="256" r:id="rId2"/>
-    <p:sldId id="257" r:id="rId3"/>
-    <p:sldId id="258" r:id="rId4"/>
-    <p:sldId id="259" r:id="rId5"/>
-    <p:sldId id="263" r:id="rId6"/>
-    <p:sldId id="264" r:id="rId7"/>
-    <p:sldId id="265" r:id="rId8"/>
-    <p:sldId id="266" r:id="rId9"/>
-    <p:sldId id="268" r:id="rId10"/>
-    <p:sldId id="267" r:id="rId11"/>
-    <p:sldId id="261" r:id="rId12"/>
-    <p:sldId id="262" r:id="rId13"/>
-    <p:sldId id="260" r:id="rId14"/>
-    <p:sldId id="269" r:id="rId15"/>
+    <p:sldId id="258" r:id="rId3"/>
+    <p:sldId id="259" r:id="rId4"/>
+    <p:sldId id="263" r:id="rId5"/>
+    <p:sldId id="264" r:id="rId6"/>
+    <p:sldId id="265" r:id="rId7"/>
+    <p:sldId id="266" r:id="rId8"/>
+    <p:sldId id="268" r:id="rId9"/>
+    <p:sldId id="260" r:id="rId10"/>
+    <p:sldId id="269" r:id="rId11"/>
   </p:sldIdLst>
   <p:sldSz cx="12192000" cy="6858000"/>
   <p:notesSz cx="6858000" cy="9144000"/>
@@ -123,158 +119,6 @@
     </p:ext>
   </p:extLst>
 </p:presentation>
-</file>
-
-<file path=ppt/changesInfos/changesInfo1.xml><?xml version="1.0" encoding="utf-8"?>
-<pc:chgInfo xmlns:a="http://schemas.openxmlformats.org/drawingml/2006/main" xmlns:r="http://schemas.openxmlformats.org/officeDocument/2006/relationships" xmlns:ac="http://schemas.microsoft.com/office/drawing/2013/main/command" xmlns:pc="http://schemas.microsoft.com/office/powerpoint/2013/main/command">
-  <pc:docChgLst>
-    <pc:chgData name="BRIAN WAWERU" userId="3fb8e1fabb4e43de" providerId="LiveId" clId="{96D003EF-2576-412D-8E6E-DDEE88524008}"/>
-    <pc:docChg chg="undo custSel addSld modSld">
-      <pc:chgData name="BRIAN WAWERU" userId="3fb8e1fabb4e43de" providerId="LiveId" clId="{96D003EF-2576-412D-8E6E-DDEE88524008}" dt="2025-02-14T16:36:18.376" v="167" actId="404"/>
-      <pc:docMkLst>
-        <pc:docMk/>
-      </pc:docMkLst>
-      <pc:sldChg chg="modSp mod">
-        <pc:chgData name="BRIAN WAWERU" userId="3fb8e1fabb4e43de" providerId="LiveId" clId="{96D003EF-2576-412D-8E6E-DDEE88524008}" dt="2025-02-14T14:42:33.249" v="1" actId="21"/>
-        <pc:sldMkLst>
-          <pc:docMk/>
-          <pc:sldMk cId="285880447" sldId="256"/>
-        </pc:sldMkLst>
-        <pc:spChg chg="mod">
-          <ac:chgData name="BRIAN WAWERU" userId="3fb8e1fabb4e43de" providerId="LiveId" clId="{96D003EF-2576-412D-8E6E-DDEE88524008}" dt="2025-02-14T14:42:33.249" v="1" actId="21"/>
-          <ac:spMkLst>
-            <pc:docMk/>
-            <pc:sldMk cId="285880447" sldId="256"/>
-            <ac:spMk id="2" creationId="{A853BA7F-5EB1-5F90-A93B-4CC8BE104C4B}"/>
-          </ac:spMkLst>
-        </pc:spChg>
-      </pc:sldChg>
-      <pc:sldChg chg="modSp new mod">
-        <pc:chgData name="BRIAN WAWERU" userId="3fb8e1fabb4e43de" providerId="LiveId" clId="{96D003EF-2576-412D-8E6E-DDEE88524008}" dt="2025-02-14T16:36:18.376" v="167" actId="404"/>
-        <pc:sldMkLst>
-          <pc:docMk/>
-          <pc:sldMk cId="2258339404" sldId="269"/>
-        </pc:sldMkLst>
-        <pc:spChg chg="mod">
-          <ac:chgData name="BRIAN WAWERU" userId="3fb8e1fabb4e43de" providerId="LiveId" clId="{96D003EF-2576-412D-8E6E-DDEE88524008}" dt="2025-02-14T16:00:45.580" v="17" actId="403"/>
-          <ac:spMkLst>
-            <pc:docMk/>
-            <pc:sldMk cId="2258339404" sldId="269"/>
-            <ac:spMk id="2" creationId="{5A09A7BC-82DC-0F74-778E-7368FF68F869}"/>
-          </ac:spMkLst>
-        </pc:spChg>
-        <pc:spChg chg="mod">
-          <ac:chgData name="BRIAN WAWERU" userId="3fb8e1fabb4e43de" providerId="LiveId" clId="{96D003EF-2576-412D-8E6E-DDEE88524008}" dt="2025-02-14T16:36:18.376" v="167" actId="404"/>
-          <ac:spMkLst>
-            <pc:docMk/>
-            <pc:sldMk cId="2258339404" sldId="269"/>
-            <ac:spMk id="3" creationId="{B7FC1CB5-28DC-9DEA-0057-B474DE9B2EA2}"/>
-          </ac:spMkLst>
-        </pc:spChg>
-      </pc:sldChg>
-    </pc:docChg>
-  </pc:docChgLst>
-  <pc:docChgLst>
-    <pc:chgData name="BRIAN WAWERU" userId="3fb8e1fabb4e43de" providerId="LiveId" clId="{CC11B3C3-5339-4880-8000-3559BB9B68A6}"/>
-    <pc:docChg chg="undo custSel addSld modSld">
-      <pc:chgData name="BRIAN WAWERU" userId="3fb8e1fabb4e43de" providerId="LiveId" clId="{CC11B3C3-5339-4880-8000-3559BB9B68A6}" dt="2025-02-12T16:54:43.916" v="160" actId="680"/>
-      <pc:docMkLst>
-        <pc:docMk/>
-      </pc:docMkLst>
-      <pc:sldChg chg="modSp mod">
-        <pc:chgData name="BRIAN WAWERU" userId="3fb8e1fabb4e43de" providerId="LiveId" clId="{CC11B3C3-5339-4880-8000-3559BB9B68A6}" dt="2025-02-12T16:51:51.561" v="90" actId="20577"/>
-        <pc:sldMkLst>
-          <pc:docMk/>
-          <pc:sldMk cId="285880447" sldId="256"/>
-        </pc:sldMkLst>
-        <pc:spChg chg="mod">
-          <ac:chgData name="BRIAN WAWERU" userId="3fb8e1fabb4e43de" providerId="LiveId" clId="{CC11B3C3-5339-4880-8000-3559BB9B68A6}" dt="2025-02-12T16:51:29.257" v="33" actId="20577"/>
-          <ac:spMkLst>
-            <pc:docMk/>
-            <pc:sldMk cId="285880447" sldId="256"/>
-            <ac:spMk id="2" creationId="{A853BA7F-5EB1-5F90-A93B-4CC8BE104C4B}"/>
-          </ac:spMkLst>
-        </pc:spChg>
-        <pc:spChg chg="mod">
-          <ac:chgData name="BRIAN WAWERU" userId="3fb8e1fabb4e43de" providerId="LiveId" clId="{CC11B3C3-5339-4880-8000-3559BB9B68A6}" dt="2025-02-12T16:51:51.561" v="90" actId="20577"/>
-          <ac:spMkLst>
-            <pc:docMk/>
-            <pc:sldMk cId="285880447" sldId="256"/>
-            <ac:spMk id="3" creationId="{A86FC6EA-4125-7B98-86D8-F997936447B5}"/>
-          </ac:spMkLst>
-        </pc:spChg>
-      </pc:sldChg>
-      <pc:sldChg chg="modSp mod">
-        <pc:chgData name="BRIAN WAWERU" userId="3fb8e1fabb4e43de" providerId="LiveId" clId="{CC11B3C3-5339-4880-8000-3559BB9B68A6}" dt="2025-02-12T16:54:23.235" v="157" actId="14100"/>
-        <pc:sldMkLst>
-          <pc:docMk/>
-          <pc:sldMk cId="547955224" sldId="257"/>
-        </pc:sldMkLst>
-        <pc:spChg chg="mod">
-          <ac:chgData name="BRIAN WAWERU" userId="3fb8e1fabb4e43de" providerId="LiveId" clId="{CC11B3C3-5339-4880-8000-3559BB9B68A6}" dt="2025-02-12T16:54:16.061" v="156" actId="1076"/>
-          <ac:spMkLst>
-            <pc:docMk/>
-            <pc:sldMk cId="547955224" sldId="257"/>
-            <ac:spMk id="2" creationId="{208939DB-1657-23CC-5BBE-3621F1253A82}"/>
-          </ac:spMkLst>
-        </pc:spChg>
-        <pc:spChg chg="mod">
-          <ac:chgData name="BRIAN WAWERU" userId="3fb8e1fabb4e43de" providerId="LiveId" clId="{CC11B3C3-5339-4880-8000-3559BB9B68A6}" dt="2025-02-12T16:54:23.235" v="157" actId="14100"/>
-          <ac:spMkLst>
-            <pc:docMk/>
-            <pc:sldMk cId="547955224" sldId="257"/>
-            <ac:spMk id="3" creationId="{1694C5C5-054B-2F8C-7823-BB1AC66B9AA0}"/>
-          </ac:spMkLst>
-        </pc:spChg>
-      </pc:sldChg>
-      <pc:sldChg chg="modSp">
-        <pc:chgData name="BRIAN WAWERU" userId="3fb8e1fabb4e43de" providerId="LiveId" clId="{CC11B3C3-5339-4880-8000-3559BB9B68A6}" dt="2025-02-12T16:54:33.366" v="158"/>
-        <pc:sldMkLst>
-          <pc:docMk/>
-          <pc:sldMk cId="964947464" sldId="258"/>
-        </pc:sldMkLst>
-        <pc:spChg chg="mod">
-          <ac:chgData name="BRIAN WAWERU" userId="3fb8e1fabb4e43de" providerId="LiveId" clId="{CC11B3C3-5339-4880-8000-3559BB9B68A6}" dt="2025-02-12T16:54:33.366" v="158"/>
-          <ac:spMkLst>
-            <pc:docMk/>
-            <pc:sldMk cId="964947464" sldId="258"/>
-            <ac:spMk id="2" creationId="{713F4CBC-4D24-93F1-8CB3-D1B118796DC3}"/>
-          </ac:spMkLst>
-        </pc:spChg>
-      </pc:sldChg>
-      <pc:sldChg chg="modSp mod">
-        <pc:chgData name="BRIAN WAWERU" userId="3fb8e1fabb4e43de" providerId="LiveId" clId="{CC11B3C3-5339-4880-8000-3559BB9B68A6}" dt="2025-02-12T16:54:39.515" v="159"/>
-        <pc:sldMkLst>
-          <pc:docMk/>
-          <pc:sldMk cId="814767519" sldId="259"/>
-        </pc:sldMkLst>
-        <pc:spChg chg="mod">
-          <ac:chgData name="BRIAN WAWERU" userId="3fb8e1fabb4e43de" providerId="LiveId" clId="{CC11B3C3-5339-4880-8000-3559BB9B68A6}" dt="2025-02-12T16:54:39.515" v="159"/>
-          <ac:spMkLst>
-            <pc:docMk/>
-            <pc:sldMk cId="814767519" sldId="259"/>
-            <ac:spMk id="2" creationId="{5A52654D-CF15-7074-69A2-CBA421450B38}"/>
-          </ac:spMkLst>
-        </pc:spChg>
-        <pc:spChg chg="mod">
-          <ac:chgData name="BRIAN WAWERU" userId="3fb8e1fabb4e43de" providerId="LiveId" clId="{CC11B3C3-5339-4880-8000-3559BB9B68A6}" dt="2025-02-12T16:53:32.315" v="143" actId="27636"/>
-          <ac:spMkLst>
-            <pc:docMk/>
-            <pc:sldMk cId="814767519" sldId="259"/>
-            <ac:spMk id="3" creationId="{A9617A8B-D131-86CA-ECE8-26A0EA2D3252}"/>
-          </ac:spMkLst>
-        </pc:spChg>
-      </pc:sldChg>
-      <pc:sldChg chg="new">
-        <pc:chgData name="BRIAN WAWERU" userId="3fb8e1fabb4e43de" providerId="LiveId" clId="{CC11B3C3-5339-4880-8000-3559BB9B68A6}" dt="2025-02-12T16:54:43.916" v="160" actId="680"/>
-        <pc:sldMkLst>
-          <pc:docMk/>
-          <pc:sldMk cId="1382671887" sldId="260"/>
-        </pc:sldMkLst>
-      </pc:sldChg>
-    </pc:docChg>
-  </pc:docChgLst>
-</pc:chgInfo>
 </file>
 
 <file path=ppt/slideLayouts/slideLayout1.xml><?xml version="1.0" encoding="utf-8"?>
@@ -13550,361 +13394,6 @@
           <a:chExt cx="0" cy="0"/>
         </a:xfrm>
       </p:grpSpPr>
-      <p:pic>
-        <p:nvPicPr>
-          <p:cNvPr id="9" name="Picture 8">
-            <a:extLst>
-              <a:ext uri="{FF2B5EF4-FFF2-40B4-BE49-F238E27FC236}">
-                <a16:creationId xmlns:a16="http://schemas.microsoft.com/office/drawing/2014/main" id="{52B0689C-0705-7CA4-18A3-0FEA41630A8D}"/>
-              </a:ext>
-            </a:extLst>
-          </p:cNvPr>
-          <p:cNvPicPr>
-            <a:picLocks noChangeAspect="1"/>
-          </p:cNvPicPr>
-          <p:nvPr/>
-        </p:nvPicPr>
-        <p:blipFill>
-          <a:blip r:embed="rId2"/>
-          <a:stretch>
-            <a:fillRect/>
-          </a:stretch>
-        </p:blipFill>
-        <p:spPr>
-          <a:xfrm>
-            <a:off x="78830" y="94596"/>
-            <a:ext cx="11802208" cy="6507164"/>
-          </a:xfrm>
-          <a:prstGeom prst="rect">
-            <a:avLst/>
-          </a:prstGeom>
-        </p:spPr>
-      </p:pic>
-    </p:spTree>
-    <p:extLst>
-      <p:ext uri="{BB962C8B-B14F-4D97-AF65-F5344CB8AC3E}">
-        <p14:creationId xmlns:p14="http://schemas.microsoft.com/office/powerpoint/2010/main" val="2555000074"/>
-      </p:ext>
-    </p:extLst>
-  </p:cSld>
-  <p:clrMapOvr>
-    <a:masterClrMapping/>
-  </p:clrMapOvr>
-</p:sld>
-</file>
-
-<file path=ppt/slides/slide11.xml><?xml version="1.0" encoding="utf-8"?>
-<p:sld xmlns:a="http://schemas.openxmlformats.org/drawingml/2006/main" xmlns:r="http://schemas.openxmlformats.org/officeDocument/2006/relationships" xmlns:p="http://schemas.openxmlformats.org/presentationml/2006/main">
-  <p:cSld>
-    <p:spTree>
-      <p:nvGrpSpPr>
-        <p:cNvPr id="1" name=""/>
-        <p:cNvGrpSpPr/>
-        <p:nvPr/>
-      </p:nvGrpSpPr>
-      <p:grpSpPr>
-        <a:xfrm>
-          <a:off x="0" y="0"/>
-          <a:ext cx="0" cy="0"/>
-          <a:chOff x="0" y="0"/>
-          <a:chExt cx="0" cy="0"/>
-        </a:xfrm>
-      </p:grpSpPr>
-      <p:pic>
-        <p:nvPicPr>
-          <p:cNvPr id="13" name="Picture 12">
-            <a:extLst>
-              <a:ext uri="{FF2B5EF4-FFF2-40B4-BE49-F238E27FC236}">
-                <a16:creationId xmlns:a16="http://schemas.microsoft.com/office/drawing/2014/main" id="{629BF169-793D-DFBA-06C6-92FE26C53A6A}"/>
-              </a:ext>
-            </a:extLst>
-          </p:cNvPr>
-          <p:cNvPicPr>
-            <a:picLocks noChangeAspect="1"/>
-          </p:cNvPicPr>
-          <p:nvPr/>
-        </p:nvPicPr>
-        <p:blipFill>
-          <a:blip r:embed="rId2"/>
-          <a:stretch>
-            <a:fillRect/>
-          </a:stretch>
-        </p:blipFill>
-        <p:spPr>
-          <a:xfrm>
-            <a:off x="177944" y="94596"/>
-            <a:ext cx="11840178" cy="6448097"/>
-          </a:xfrm>
-          <a:prstGeom prst="rect">
-            <a:avLst/>
-          </a:prstGeom>
-        </p:spPr>
-      </p:pic>
-    </p:spTree>
-    <p:extLst>
-      <p:ext uri="{BB962C8B-B14F-4D97-AF65-F5344CB8AC3E}">
-        <p14:creationId xmlns:p14="http://schemas.microsoft.com/office/powerpoint/2010/main" val="3299050201"/>
-      </p:ext>
-    </p:extLst>
-  </p:cSld>
-  <p:clrMapOvr>
-    <a:masterClrMapping/>
-  </p:clrMapOvr>
-</p:sld>
-</file>
-
-<file path=ppt/slides/slide12.xml><?xml version="1.0" encoding="utf-8"?>
-<p:sld xmlns:a="http://schemas.openxmlformats.org/drawingml/2006/main" xmlns:r="http://schemas.openxmlformats.org/officeDocument/2006/relationships" xmlns:p="http://schemas.openxmlformats.org/presentationml/2006/main">
-  <p:cSld>
-    <p:spTree>
-      <p:nvGrpSpPr>
-        <p:cNvPr id="1" name="">
-          <a:extLst>
-            <a:ext uri="{FF2B5EF4-FFF2-40B4-BE49-F238E27FC236}">
-              <a16:creationId xmlns:a16="http://schemas.microsoft.com/office/drawing/2014/main" id="{0288C583-5552-443C-2F37-01B067B1761E}"/>
-            </a:ext>
-          </a:extLst>
-        </p:cNvPr>
-        <p:cNvGrpSpPr/>
-        <p:nvPr/>
-      </p:nvGrpSpPr>
-      <p:grpSpPr>
-        <a:xfrm>
-          <a:off x="0" y="0"/>
-          <a:ext cx="0" cy="0"/>
-          <a:chOff x="0" y="0"/>
-          <a:chExt cx="0" cy="0"/>
-        </a:xfrm>
-      </p:grpSpPr>
-      <p:pic>
-        <p:nvPicPr>
-          <p:cNvPr id="7" name="Content Placeholder 6">
-            <a:extLst>
-              <a:ext uri="{FF2B5EF4-FFF2-40B4-BE49-F238E27FC236}">
-                <a16:creationId xmlns:a16="http://schemas.microsoft.com/office/drawing/2014/main" id="{FEBAA073-079B-3A92-4107-3A6FB1A825D0}"/>
-              </a:ext>
-            </a:extLst>
-          </p:cNvPr>
-          <p:cNvPicPr>
-            <a:picLocks noGrp="1" noChangeAspect="1"/>
-          </p:cNvPicPr>
-          <p:nvPr>
-            <p:ph idx="1"/>
-          </p:nvPr>
-        </p:nvPicPr>
-        <p:blipFill>
-          <a:blip r:embed="rId2"/>
-          <a:stretch>
-            <a:fillRect/>
-          </a:stretch>
-        </p:blipFill>
-        <p:spPr>
-          <a:xfrm>
-            <a:off x="130886" y="0"/>
-            <a:ext cx="11645955" cy="7185802"/>
-          </a:xfrm>
-        </p:spPr>
-      </p:pic>
-    </p:spTree>
-    <p:extLst>
-      <p:ext uri="{BB962C8B-B14F-4D97-AF65-F5344CB8AC3E}">
-        <p14:creationId xmlns:p14="http://schemas.microsoft.com/office/powerpoint/2010/main" val="986759551"/>
-      </p:ext>
-    </p:extLst>
-  </p:cSld>
-  <p:clrMapOvr>
-    <a:masterClrMapping/>
-  </p:clrMapOvr>
-</p:sld>
-</file>
-
-<file path=ppt/slides/slide13.xml><?xml version="1.0" encoding="utf-8"?>
-<p:sld xmlns:a="http://schemas.openxmlformats.org/drawingml/2006/main" xmlns:r="http://schemas.openxmlformats.org/officeDocument/2006/relationships" xmlns:p="http://schemas.openxmlformats.org/presentationml/2006/main">
-  <p:cSld>
-    <p:spTree>
-      <p:nvGrpSpPr>
-        <p:cNvPr id="1" name=""/>
-        <p:cNvGrpSpPr/>
-        <p:nvPr/>
-      </p:nvGrpSpPr>
-      <p:grpSpPr>
-        <a:xfrm>
-          <a:off x="0" y="0"/>
-          <a:ext cx="0" cy="0"/>
-          <a:chOff x="0" y="0"/>
-          <a:chExt cx="0" cy="0"/>
-        </a:xfrm>
-      </p:grpSpPr>
-      <p:sp>
-        <p:nvSpPr>
-          <p:cNvPr id="2" name="Title 1">
-            <a:extLst>
-              <a:ext uri="{FF2B5EF4-FFF2-40B4-BE49-F238E27FC236}">
-                <a16:creationId xmlns:a16="http://schemas.microsoft.com/office/drawing/2014/main" id="{B94A3D4D-B82F-641F-3547-3CA34BB78BE9}"/>
-              </a:ext>
-            </a:extLst>
-          </p:cNvPr>
-          <p:cNvSpPr>
-            <a:spLocks noGrp="1"/>
-          </p:cNvSpPr>
-          <p:nvPr>
-            <p:ph type="title"/>
-          </p:nvPr>
-        </p:nvSpPr>
-        <p:spPr/>
-        <p:txBody>
-          <a:bodyPr/>
-          <a:lstStyle/>
-          <a:p>
-            <a:pPr algn="ctr"/>
-            <a:r>
-              <a:rPr lang="en-US" sz="4000" b="1" dirty="0">
-                <a:latin typeface="Arial Black" panose="020B0A04020102020204" pitchFamily="34" charset="0"/>
-              </a:rPr>
-              <a:t>RECOMMENDATIONS</a:t>
-            </a:r>
-            <a:endParaRPr lang="en-KE" sz="4000" b="1" dirty="0">
-              <a:latin typeface="Arial Black" panose="020B0A04020102020204" pitchFamily="34" charset="0"/>
-            </a:endParaRPr>
-          </a:p>
-        </p:txBody>
-      </p:sp>
-      <p:sp>
-        <p:nvSpPr>
-          <p:cNvPr id="3" name="Content Placeholder 2">
-            <a:extLst>
-              <a:ext uri="{FF2B5EF4-FFF2-40B4-BE49-F238E27FC236}">
-                <a16:creationId xmlns:a16="http://schemas.microsoft.com/office/drawing/2014/main" id="{91A10C0F-9523-5A98-063A-A32FD884F19D}"/>
-              </a:ext>
-            </a:extLst>
-          </p:cNvPr>
-          <p:cNvSpPr>
-            <a:spLocks noGrp="1"/>
-          </p:cNvSpPr>
-          <p:nvPr>
-            <p:ph idx="1"/>
-          </p:nvPr>
-        </p:nvSpPr>
-        <p:spPr>
-          <a:xfrm>
-            <a:off x="482162" y="2481465"/>
-            <a:ext cx="11227675" cy="4376535"/>
-          </a:xfrm>
-        </p:spPr>
-        <p:txBody>
-          <a:bodyPr>
-            <a:normAutofit/>
-          </a:bodyPr>
-          <a:lstStyle/>
-          <a:p>
-            <a:pPr>
-              <a:buFont typeface="+mj-lt"/>
-              <a:buAutoNum type="arabicPeriod"/>
-            </a:pPr>
-            <a:r>
-              <a:rPr lang="en-US" sz="3200" dirty="0">
-                <a:solidFill>
-                  <a:schemeClr val="tx1"/>
-                </a:solidFill>
-              </a:rPr>
-              <a:t>We recommend that the company choose any other manufacturer other than CESSNA.</a:t>
-            </a:r>
-          </a:p>
-          <a:p>
-            <a:pPr>
-              <a:buFont typeface="+mj-lt"/>
-              <a:buAutoNum type="arabicPeriod"/>
-            </a:pPr>
-            <a:r>
-              <a:rPr lang="en-US" sz="3200" dirty="0">
-                <a:solidFill>
-                  <a:schemeClr val="tx1"/>
-                </a:solidFill>
-              </a:rPr>
-              <a:t>Highly recommend not to have flight in the united states </a:t>
-            </a:r>
-          </a:p>
-          <a:p>
-            <a:pPr>
-              <a:buFont typeface="+mj-lt"/>
-              <a:buAutoNum type="arabicPeriod"/>
-            </a:pPr>
-            <a:r>
-              <a:rPr lang="en-US" sz="3200" dirty="0">
-                <a:solidFill>
-                  <a:schemeClr val="tx1"/>
-                </a:solidFill>
-              </a:rPr>
-              <a:t>Not to have flight in California because it is highly prone to </a:t>
-            </a:r>
-            <a:r>
-              <a:rPr lang="en-US" sz="3200">
-                <a:solidFill>
-                  <a:schemeClr val="tx1"/>
-                </a:solidFill>
-              </a:rPr>
-              <a:t>aircraft accidents. </a:t>
-            </a:r>
-            <a:endParaRPr lang="en-US" sz="3200" dirty="0">
-              <a:solidFill>
-                <a:schemeClr val="tx1"/>
-              </a:solidFill>
-            </a:endParaRPr>
-          </a:p>
-          <a:p>
-            <a:pPr>
-              <a:buFont typeface="+mj-lt"/>
-              <a:buAutoNum type="arabicPeriod"/>
-            </a:pPr>
-            <a:endParaRPr lang="en-US" sz="3200" dirty="0">
-              <a:solidFill>
-                <a:schemeClr val="tx1"/>
-              </a:solidFill>
-            </a:endParaRPr>
-          </a:p>
-          <a:p>
-            <a:pPr>
-              <a:buFont typeface="+mj-lt"/>
-              <a:buAutoNum type="arabicPeriod"/>
-            </a:pPr>
-            <a:endParaRPr lang="en-KE" sz="3200" dirty="0">
-              <a:solidFill>
-                <a:schemeClr val="tx1"/>
-              </a:solidFill>
-            </a:endParaRPr>
-          </a:p>
-        </p:txBody>
-      </p:sp>
-    </p:spTree>
-    <p:extLst>
-      <p:ext uri="{BB962C8B-B14F-4D97-AF65-F5344CB8AC3E}">
-        <p14:creationId xmlns:p14="http://schemas.microsoft.com/office/powerpoint/2010/main" val="1382671887"/>
-      </p:ext>
-    </p:extLst>
-  </p:cSld>
-  <p:clrMapOvr>
-    <a:masterClrMapping/>
-  </p:clrMapOvr>
-</p:sld>
-</file>
-
-<file path=ppt/slides/slide14.xml><?xml version="1.0" encoding="utf-8"?>
-<p:sld xmlns:a="http://schemas.openxmlformats.org/drawingml/2006/main" xmlns:r="http://schemas.openxmlformats.org/officeDocument/2006/relationships" xmlns:p="http://schemas.openxmlformats.org/presentationml/2006/main">
-  <p:cSld>
-    <p:spTree>
-      <p:nvGrpSpPr>
-        <p:cNvPr id="1" name=""/>
-        <p:cNvGrpSpPr/>
-        <p:nvPr/>
-      </p:nvGrpSpPr>
-      <p:grpSpPr>
-        <a:xfrm>
-          <a:off x="0" y="0"/>
-          <a:ext cx="0" cy="0"/>
-          <a:chOff x="0" y="0"/>
-          <a:chExt cx="0" cy="0"/>
-        </a:xfrm>
-      </p:grpSpPr>
       <p:sp>
         <p:nvSpPr>
           <p:cNvPr id="2" name="Title 1">
@@ -13976,22 +13465,6 @@
             </a:br>
             <a:r>
               <a:rPr lang="en-US" sz="1600" dirty="0"/>
-              <a:t>Version 2:</a:t>
-            </a:r>
-            <a:br>
-              <a:rPr lang="en-US" sz="2400" dirty="0"/>
-            </a:br>
-            <a:r>
-              <a:rPr lang="en-KE" sz="2400" dirty="0">
-                <a:hlinkClick r:id="rId2"/>
-              </a:rPr>
-              <a:t>https://public.tableau.com/authoring/waweru-dsc-phase-1-project-viz-v2/Sheet1/Dashboard%201#1</a:t>
-            </a:r>
-            <a:br>
-              <a:rPr lang="en-US" sz="2400" dirty="0"/>
-            </a:br>
-            <a:r>
-              <a:rPr lang="en-US" sz="1600" dirty="0"/>
               <a:t>Version 3:</a:t>
             </a:r>
             <a:br>
@@ -13999,10 +13472,17 @@
             </a:br>
             <a:r>
               <a:rPr lang="en-US" sz="2400" dirty="0">
-                <a:hlinkClick r:id="rId3"/>
+                <a:hlinkClick r:id="rId2"/>
               </a:rPr>
               <a:t>https://public.tableau.com/app/profile/brian.waweru/viz/waweru-dsc-phase-1-project-viz-v3/Dashboard1?publish=yes</a:t>
             </a:r>
+            <a:endParaRPr lang="en-US" sz="2400" dirty="0"/>
+          </a:p>
+          <a:p>
+            <a:pPr>
+              <a:buFont typeface="+mj-lt"/>
+              <a:buAutoNum type="arabicPeriod"/>
+            </a:pPr>
             <a:endParaRPr lang="en-US" sz="2400" dirty="0"/>
           </a:p>
           <a:p>
@@ -14019,13 +13499,13 @@
             </a:br>
             <a:r>
               <a:rPr lang="en-US" sz="2400" dirty="0" err="1">
-                <a:hlinkClick r:id="rId4"/>
+                <a:hlinkClick r:id="rId3"/>
               </a:rPr>
               <a:t>rurigi-waweru</a:t>
             </a:r>
             <a:r>
               <a:rPr lang="en-US" sz="2400" dirty="0">
-                <a:hlinkClick r:id="rId4"/>
+                <a:hlinkClick r:id="rId3"/>
               </a:rPr>
               <a:t>/dsfpt10-p1-dsc-phase-1-project: Phase-01-Final-Project, 09-02-2025</a:t>
             </a:r>
@@ -14065,72 +13545,267 @@
       </p:grpSpPr>
       <p:sp>
         <p:nvSpPr>
-          <p:cNvPr id="2" name="Title 1">
+          <p:cNvPr id="4" name="Content Placeholder 2">
             <a:extLst>
               <a:ext uri="{FF2B5EF4-FFF2-40B4-BE49-F238E27FC236}">
-                <a16:creationId xmlns:a16="http://schemas.microsoft.com/office/drawing/2014/main" id="{208939DB-1657-23CC-5BBE-3621F1253A82}"/>
+                <a16:creationId xmlns:a16="http://schemas.microsoft.com/office/drawing/2014/main" id="{F8671975-F191-0FF6-195F-B4C72CC628D2}"/>
               </a:ext>
             </a:extLst>
           </p:cNvPr>
-          <p:cNvSpPr>
-            <a:spLocks noGrp="1"/>
+          <p:cNvSpPr txBox="1">
+            <a:spLocks/>
           </p:cNvSpPr>
-          <p:nvPr>
-            <p:ph type="title"/>
-          </p:nvPr>
+          <p:nvPr/>
         </p:nvSpPr>
         <p:spPr>
           <a:xfrm>
-            <a:off x="838199" y="706601"/>
-            <a:ext cx="10515600" cy="1325563"/>
+            <a:off x="735720" y="2191407"/>
+            <a:ext cx="10673255" cy="4414343"/>
           </a:xfrm>
+          <a:prstGeom prst="rect">
+            <a:avLst/>
+          </a:prstGeom>
+          <a:solidFill>
+            <a:schemeClr val="accent4">
+              <a:lumMod val="40000"/>
+              <a:lumOff val="60000"/>
+            </a:schemeClr>
+          </a:solidFill>
         </p:spPr>
         <p:txBody>
-          <a:bodyPr/>
-          <a:lstStyle/>
-          <a:p>
-            <a:pPr algn="ctr"/>
-            <a:r>
-              <a:rPr lang="en-US" sz="4000" b="1" dirty="0">
-                <a:latin typeface="Arial Black" panose="020B0A04020102020204" pitchFamily="34" charset="0"/>
-              </a:rPr>
-              <a:t>INTRODUCTION</a:t>
-            </a:r>
-            <a:endParaRPr lang="en-KE" sz="4000" b="1" dirty="0">
-              <a:latin typeface="Arial Black" panose="020B0A04020102020204" pitchFamily="34" charset="0"/>
-            </a:endParaRPr>
-          </a:p>
-        </p:txBody>
-      </p:sp>
-      <p:sp>
-        <p:nvSpPr>
-          <p:cNvPr id="3" name="Content Placeholder 2">
-            <a:extLst>
-              <a:ext uri="{FF2B5EF4-FFF2-40B4-BE49-F238E27FC236}">
-                <a16:creationId xmlns:a16="http://schemas.microsoft.com/office/drawing/2014/main" id="{1694C5C5-054B-2F8C-7823-BB1AC66B9AA0}"/>
-              </a:ext>
-            </a:extLst>
-          </p:cNvPr>
-          <p:cNvSpPr>
-            <a:spLocks noGrp="1"/>
-          </p:cNvSpPr>
-          <p:nvPr>
-            <p:ph idx="1"/>
-          </p:nvPr>
-        </p:nvSpPr>
-        <p:spPr>
-          <a:xfrm>
-            <a:off x="1579179" y="2300178"/>
-            <a:ext cx="9267497" cy="3708072"/>
-          </a:xfrm>
-        </p:spPr>
-        <p:txBody>
-          <a:bodyPr>
-            <a:normAutofit fontScale="85000" lnSpcReduction="10000"/>
+          <a:bodyPr vert="horz" lIns="91440" tIns="45720" rIns="91440" bIns="45720" rtlCol="0">
+            <a:normAutofit lnSpcReduction="10000"/>
           </a:bodyPr>
-          <a:lstStyle/>
-          <a:p>
-            <a:pPr marL="0" indent="0" algn="just">
+          <a:lstStyle>
+            <a:lvl1pPr marL="342900" indent="-342900" algn="l" defTabSz="457200" rtl="0" eaLnBrk="1" latinLnBrk="0" hangingPunct="1">
+              <a:spcBef>
+                <a:spcPts val="1000"/>
+              </a:spcBef>
+              <a:spcAft>
+                <a:spcPts val="0"/>
+              </a:spcAft>
+              <a:buClr>
+                <a:schemeClr val="accent1"/>
+              </a:buClr>
+              <a:buSzPct val="80000"/>
+              <a:buFont typeface="Wingdings 3" charset="2"/>
+              <a:buChar char=""/>
+              <a:defRPr sz="1800" b="0" i="0" kern="1200">
+                <a:solidFill>
+                  <a:schemeClr val="tx1">
+                    <a:lumMod val="75000"/>
+                    <a:lumOff val="25000"/>
+                  </a:schemeClr>
+                </a:solidFill>
+                <a:latin typeface="+mn-lt"/>
+                <a:ea typeface="+mn-ea"/>
+                <a:cs typeface="+mn-cs"/>
+              </a:defRPr>
+            </a:lvl1pPr>
+            <a:lvl2pPr marL="742950" indent="-285750" algn="l" defTabSz="457200" rtl="0" eaLnBrk="1" latinLnBrk="0" hangingPunct="1">
+              <a:spcBef>
+                <a:spcPts val="1000"/>
+              </a:spcBef>
+              <a:spcAft>
+                <a:spcPts val="0"/>
+              </a:spcAft>
+              <a:buClr>
+                <a:schemeClr val="accent1"/>
+              </a:buClr>
+              <a:buSzPct val="80000"/>
+              <a:buFont typeface="Wingdings 3" charset="2"/>
+              <a:buChar char=""/>
+              <a:defRPr sz="1600" b="0" i="0" kern="1200">
+                <a:solidFill>
+                  <a:schemeClr val="tx1">
+                    <a:lumMod val="75000"/>
+                    <a:lumOff val="25000"/>
+                  </a:schemeClr>
+                </a:solidFill>
+                <a:latin typeface="+mn-lt"/>
+                <a:ea typeface="+mn-ea"/>
+                <a:cs typeface="+mn-cs"/>
+              </a:defRPr>
+            </a:lvl2pPr>
+            <a:lvl3pPr marL="1143000" indent="-228600" algn="l" defTabSz="457200" rtl="0" eaLnBrk="1" latinLnBrk="0" hangingPunct="1">
+              <a:spcBef>
+                <a:spcPts val="1000"/>
+              </a:spcBef>
+              <a:spcAft>
+                <a:spcPts val="0"/>
+              </a:spcAft>
+              <a:buClr>
+                <a:schemeClr val="accent1"/>
+              </a:buClr>
+              <a:buSzPct val="80000"/>
+              <a:buFont typeface="Wingdings 3" charset="2"/>
+              <a:buChar char=""/>
+              <a:defRPr sz="1400" b="0" i="0" kern="1200">
+                <a:solidFill>
+                  <a:schemeClr val="tx1">
+                    <a:lumMod val="75000"/>
+                    <a:lumOff val="25000"/>
+                  </a:schemeClr>
+                </a:solidFill>
+                <a:latin typeface="+mn-lt"/>
+                <a:ea typeface="+mn-ea"/>
+                <a:cs typeface="+mn-cs"/>
+              </a:defRPr>
+            </a:lvl3pPr>
+            <a:lvl4pPr marL="1600200" indent="-228600" algn="l" defTabSz="457200" rtl="0" eaLnBrk="1" latinLnBrk="0" hangingPunct="1">
+              <a:spcBef>
+                <a:spcPts val="1000"/>
+              </a:spcBef>
+              <a:spcAft>
+                <a:spcPts val="0"/>
+              </a:spcAft>
+              <a:buClr>
+                <a:schemeClr val="accent1"/>
+              </a:buClr>
+              <a:buSzPct val="80000"/>
+              <a:buFont typeface="Wingdings 3" charset="2"/>
+              <a:buChar char=""/>
+              <a:defRPr sz="1200" b="0" i="0" kern="1200">
+                <a:solidFill>
+                  <a:schemeClr val="tx1">
+                    <a:lumMod val="75000"/>
+                    <a:lumOff val="25000"/>
+                  </a:schemeClr>
+                </a:solidFill>
+                <a:latin typeface="+mn-lt"/>
+                <a:ea typeface="+mn-ea"/>
+                <a:cs typeface="+mn-cs"/>
+              </a:defRPr>
+            </a:lvl4pPr>
+            <a:lvl5pPr marL="2057400" indent="-228600" algn="l" defTabSz="457200" rtl="0" eaLnBrk="1" latinLnBrk="0" hangingPunct="1">
+              <a:spcBef>
+                <a:spcPts val="1000"/>
+              </a:spcBef>
+              <a:spcAft>
+                <a:spcPts val="0"/>
+              </a:spcAft>
+              <a:buClr>
+                <a:schemeClr val="accent1"/>
+              </a:buClr>
+              <a:buSzPct val="80000"/>
+              <a:buFont typeface="Wingdings 3" charset="2"/>
+              <a:buChar char=""/>
+              <a:defRPr sz="1200" b="0" i="0" kern="1200">
+                <a:solidFill>
+                  <a:schemeClr val="tx1">
+                    <a:lumMod val="75000"/>
+                    <a:lumOff val="25000"/>
+                  </a:schemeClr>
+                </a:solidFill>
+                <a:latin typeface="+mn-lt"/>
+                <a:ea typeface="+mn-ea"/>
+                <a:cs typeface="+mn-cs"/>
+              </a:defRPr>
+            </a:lvl5pPr>
+            <a:lvl6pPr marL="2514600" indent="-228600" algn="l" defTabSz="457200" rtl="0" eaLnBrk="1" latinLnBrk="0" hangingPunct="1">
+              <a:spcBef>
+                <a:spcPts val="1000"/>
+              </a:spcBef>
+              <a:spcAft>
+                <a:spcPts val="0"/>
+              </a:spcAft>
+              <a:buClr>
+                <a:schemeClr val="accent1"/>
+              </a:buClr>
+              <a:buSzPct val="80000"/>
+              <a:buFont typeface="Wingdings 3" charset="2"/>
+              <a:buChar char=""/>
+              <a:defRPr sz="1200" b="0" i="0" kern="1200">
+                <a:solidFill>
+                  <a:schemeClr val="tx1">
+                    <a:lumMod val="75000"/>
+                    <a:lumOff val="25000"/>
+                  </a:schemeClr>
+                </a:solidFill>
+                <a:latin typeface="+mn-lt"/>
+                <a:ea typeface="+mn-ea"/>
+                <a:cs typeface="+mn-cs"/>
+              </a:defRPr>
+            </a:lvl6pPr>
+            <a:lvl7pPr marL="2971800" indent="-228600" algn="l" defTabSz="457200" rtl="0" eaLnBrk="1" latinLnBrk="0" hangingPunct="1">
+              <a:spcBef>
+                <a:spcPts val="1000"/>
+              </a:spcBef>
+              <a:spcAft>
+                <a:spcPts val="0"/>
+              </a:spcAft>
+              <a:buClr>
+                <a:schemeClr val="accent1"/>
+              </a:buClr>
+              <a:buSzPct val="80000"/>
+              <a:buFont typeface="Wingdings 3" charset="2"/>
+              <a:buChar char=""/>
+              <a:defRPr sz="1200" b="0" i="0" kern="1200">
+                <a:solidFill>
+                  <a:schemeClr val="tx1">
+                    <a:lumMod val="75000"/>
+                    <a:lumOff val="25000"/>
+                  </a:schemeClr>
+                </a:solidFill>
+                <a:latin typeface="+mn-lt"/>
+                <a:ea typeface="+mn-ea"/>
+                <a:cs typeface="+mn-cs"/>
+              </a:defRPr>
+            </a:lvl7pPr>
+            <a:lvl8pPr marL="3429000" indent="-228600" algn="l" defTabSz="457200" rtl="0" eaLnBrk="1" latinLnBrk="0" hangingPunct="1">
+              <a:spcBef>
+                <a:spcPts val="1000"/>
+              </a:spcBef>
+              <a:spcAft>
+                <a:spcPts val="0"/>
+              </a:spcAft>
+              <a:buClr>
+                <a:schemeClr val="accent1"/>
+              </a:buClr>
+              <a:buSzPct val="80000"/>
+              <a:buFont typeface="Wingdings 3" charset="2"/>
+              <a:buChar char=""/>
+              <a:defRPr sz="1200" b="0" i="0" kern="1200">
+                <a:solidFill>
+                  <a:schemeClr val="tx1">
+                    <a:lumMod val="75000"/>
+                    <a:lumOff val="25000"/>
+                  </a:schemeClr>
+                </a:solidFill>
+                <a:latin typeface="+mn-lt"/>
+                <a:ea typeface="+mn-ea"/>
+                <a:cs typeface="+mn-cs"/>
+              </a:defRPr>
+            </a:lvl8pPr>
+            <a:lvl9pPr marL="3886200" indent="-228600" algn="l" defTabSz="457200" rtl="0" eaLnBrk="1" latinLnBrk="0" hangingPunct="1">
+              <a:spcBef>
+                <a:spcPts val="1000"/>
+              </a:spcBef>
+              <a:spcAft>
+                <a:spcPts val="0"/>
+              </a:spcAft>
+              <a:buClr>
+                <a:schemeClr val="accent1"/>
+              </a:buClr>
+              <a:buSzPct val="80000"/>
+              <a:buFont typeface="Wingdings 3" charset="2"/>
+              <a:buChar char=""/>
+              <a:defRPr sz="1200" b="0" i="0" kern="1200">
+                <a:solidFill>
+                  <a:schemeClr val="tx1">
+                    <a:lumMod val="75000"/>
+                    <a:lumOff val="25000"/>
+                  </a:schemeClr>
+                </a:solidFill>
+                <a:latin typeface="+mn-lt"/>
+                <a:ea typeface="+mn-ea"/>
+                <a:cs typeface="+mn-cs"/>
+              </a:defRPr>
+            </a:lvl9pPr>
+          </a:lstStyle>
+          <a:p>
+            <a:pPr marL="0" indent="0" algn="ctr">
+              <a:buFont typeface="Wingdings 3" charset="2"/>
               <a:buNone/>
             </a:pPr>
             <a:r>
@@ -14141,36 +13816,6 @@
           </a:p>
         </p:txBody>
       </p:sp>
-    </p:spTree>
-    <p:extLst>
-      <p:ext uri="{BB962C8B-B14F-4D97-AF65-F5344CB8AC3E}">
-        <p14:creationId xmlns:p14="http://schemas.microsoft.com/office/powerpoint/2010/main" val="547955224"/>
-      </p:ext>
-    </p:extLst>
-  </p:cSld>
-  <p:clrMapOvr>
-    <a:masterClrMapping/>
-  </p:clrMapOvr>
-</p:sld>
-</file>
-
-<file path=ppt/slides/slide3.xml><?xml version="1.0" encoding="utf-8"?>
-<p:sld xmlns:a="http://schemas.openxmlformats.org/drawingml/2006/main" xmlns:r="http://schemas.openxmlformats.org/officeDocument/2006/relationships" xmlns:p="http://schemas.openxmlformats.org/presentationml/2006/main">
-  <p:cSld>
-    <p:spTree>
-      <p:nvGrpSpPr>
-        <p:cNvPr id="1" name=""/>
-        <p:cNvGrpSpPr/>
-        <p:nvPr/>
-      </p:nvGrpSpPr>
-      <p:grpSpPr>
-        <a:xfrm>
-          <a:off x="0" y="0"/>
-          <a:ext cx="0" cy="0"/>
-          <a:chOff x="0" y="0"/>
-          <a:chExt cx="0" cy="0"/>
-        </a:xfrm>
-      </p:grpSpPr>
       <p:sp>
         <p:nvSpPr>
           <p:cNvPr id="2" name="Title 1">
@@ -14189,8 +13834,8 @@
         </p:nvSpPr>
         <p:spPr>
           <a:xfrm>
-            <a:off x="838200" y="1001410"/>
-            <a:ext cx="10515600" cy="1325563"/>
+            <a:off x="2820712" y="717630"/>
+            <a:ext cx="6056587" cy="1325563"/>
           </a:xfrm>
         </p:spPr>
         <p:txBody>
@@ -14202,59 +13847,10 @@
               <a:rPr lang="en-US" sz="4000" b="1" dirty="0">
                 <a:latin typeface="Arial Black" panose="020B0A04020102020204" pitchFamily="34" charset="0"/>
               </a:rPr>
-              <a:t>GENERAL OBJECTIVE</a:t>
+              <a:t>INTRODUCTION</a:t>
             </a:r>
             <a:endParaRPr lang="en-KE" sz="4000" b="1" dirty="0">
               <a:latin typeface="Arial Black" panose="020B0A04020102020204" pitchFamily="34" charset="0"/>
-            </a:endParaRPr>
-          </a:p>
-        </p:txBody>
-      </p:sp>
-      <p:sp>
-        <p:nvSpPr>
-          <p:cNvPr id="3" name="Content Placeholder 2">
-            <a:extLst>
-              <a:ext uri="{FF2B5EF4-FFF2-40B4-BE49-F238E27FC236}">
-                <a16:creationId xmlns:a16="http://schemas.microsoft.com/office/drawing/2014/main" id="{8B5B8E33-B27A-619B-AE39-2A5AFF0C8AF3}"/>
-              </a:ext>
-            </a:extLst>
-          </p:cNvPr>
-          <p:cNvSpPr>
-            <a:spLocks noGrp="1"/>
-          </p:cNvSpPr>
-          <p:nvPr>
-            <p:ph idx="1"/>
-          </p:nvPr>
-        </p:nvSpPr>
-        <p:spPr>
-          <a:xfrm>
-            <a:off x="838200" y="2531925"/>
-            <a:ext cx="10515600" cy="3118453"/>
-          </a:xfrm>
-        </p:spPr>
-        <p:txBody>
-          <a:bodyPr>
-            <a:normAutofit/>
-          </a:bodyPr>
-          <a:lstStyle/>
-          <a:p>
-            <a:pPr marL="0" indent="0" algn="ctr">
-              <a:buNone/>
-            </a:pPr>
-            <a:r>
-              <a:rPr lang="en-GB" sz="3600" kern="100" dirty="0">
-                <a:effectLst/>
-                <a:latin typeface="Calibri" panose="020F0502020204030204" pitchFamily="34" charset="0"/>
-                <a:ea typeface="Calibri" panose="020F0502020204030204" pitchFamily="34" charset="0"/>
-                <a:cs typeface="Times New Roman" panose="02020603050405020304" pitchFamily="18" charset="0"/>
-              </a:rPr>
-              <a:t>To identify the safest and most reliable aircraft for commercial and private operations by analysing historical accident data, assessing risk factors, and providing actionable insights for informed decision-making.</a:t>
-            </a:r>
-            <a:endParaRPr lang="en-KE" sz="3600" kern="100" dirty="0">
-              <a:effectLst/>
-              <a:latin typeface="Calibri" panose="020F0502020204030204" pitchFamily="34" charset="0"/>
-              <a:ea typeface="Calibri" panose="020F0502020204030204" pitchFamily="34" charset="0"/>
-              <a:cs typeface="Times New Roman" panose="02020603050405020304" pitchFamily="18" charset="0"/>
             </a:endParaRPr>
           </a:p>
         </p:txBody>
@@ -14272,7 +13868,7 @@
 </p:sld>
 </file>
 
-<file path=ppt/slides/slide4.xml><?xml version="1.0" encoding="utf-8"?>
+<file path=ppt/slides/slide3.xml><?xml version="1.0" encoding="utf-8"?>
 <p:sld xmlns:a="http://schemas.openxmlformats.org/drawingml/2006/main" xmlns:r="http://schemas.openxmlformats.org/officeDocument/2006/relationships" xmlns:p="http://schemas.openxmlformats.org/presentationml/2006/main">
   <p:cSld>
     <p:spTree>
@@ -14322,7 +13918,7 @@
               <a:rPr lang="en-US" sz="4000" b="1" dirty="0">
                 <a:latin typeface="Arial Black" panose="020B0A04020102020204" pitchFamily="34" charset="0"/>
               </a:rPr>
-              <a:t>SPECIFIC OBJECTIVES</a:t>
+              <a:t>OBJECTIVES</a:t>
             </a:r>
             <a:endParaRPr lang="en-KE" sz="4000" b="1" dirty="0">
               <a:latin typeface="Arial Black" panose="020B0A04020102020204" pitchFamily="34" charset="0"/>
@@ -14348,22 +13944,42 @@
         </p:nvSpPr>
         <p:spPr>
           <a:xfrm>
-            <a:off x="838200" y="2345891"/>
-            <a:ext cx="10515600" cy="4811658"/>
+            <a:off x="838200" y="3811378"/>
+            <a:ext cx="10515600" cy="2695907"/>
           </a:xfrm>
+          <a:solidFill>
+            <a:schemeClr val="accent4">
+              <a:lumMod val="20000"/>
+              <a:lumOff val="80000"/>
+            </a:schemeClr>
+          </a:solidFill>
         </p:spPr>
         <p:txBody>
           <a:bodyPr>
-            <a:normAutofit/>
+            <a:normAutofit lnSpcReduction="10000"/>
           </a:bodyPr>
           <a:lstStyle/>
+          <a:p>
+            <a:pPr marL="0" indent="0" algn="ctr">
+              <a:buNone/>
+            </a:pPr>
+            <a:r>
+              <a:rPr lang="en-US" sz="2400" b="1" u="sng" dirty="0">
+                <a:effectLst/>
+                <a:latin typeface="Calibri" panose="020F0502020204030204" pitchFamily="34" charset="0"/>
+                <a:ea typeface="Calibri" panose="020F0502020204030204" pitchFamily="34" charset="0"/>
+                <a:cs typeface="Times New Roman" panose="02020603050405020304" pitchFamily="18" charset="0"/>
+              </a:rPr>
+              <a:t>SPECIFIC OBJECTIVES:</a:t>
+            </a:r>
+          </a:p>
           <a:p>
             <a:pPr marL="514350" indent="-514350" algn="ctr">
               <a:buFont typeface="+mj-lt"/>
               <a:buAutoNum type="arabicPeriod"/>
             </a:pPr>
             <a:r>
-              <a:rPr lang="en-KE" sz="2800" dirty="0">
+              <a:rPr lang="en-KE" sz="2200" dirty="0">
                 <a:effectLst/>
                 <a:latin typeface="Calibri" panose="020F0502020204030204" pitchFamily="34" charset="0"/>
                 <a:ea typeface="Calibri" panose="020F0502020204030204" pitchFamily="34" charset="0"/>
@@ -14371,14 +13987,7 @@
               </a:rPr>
               <a:t>Examine historical accident data to identify aircraft models with the lowest accident and fatality rates.</a:t>
             </a:r>
-            <a:br>
-              <a:rPr lang="en-US" sz="2800" dirty="0">
-                <a:latin typeface="Calibri" panose="020F0502020204030204" pitchFamily="34" charset="0"/>
-                <a:ea typeface="Calibri" panose="020F0502020204030204" pitchFamily="34" charset="0"/>
-                <a:cs typeface="Times New Roman" panose="02020603050405020304" pitchFamily="18" charset="0"/>
-              </a:rPr>
-            </a:br>
-            <a:endParaRPr lang="en-US" sz="2800" dirty="0">
+            <a:endParaRPr lang="en-US" sz="2200" dirty="0">
               <a:effectLst/>
               <a:latin typeface="Calibri" panose="020F0502020204030204" pitchFamily="34" charset="0"/>
               <a:ea typeface="Calibri" panose="020F0502020204030204" pitchFamily="34" charset="0"/>
@@ -14391,7 +14000,7 @@
               <a:buAutoNum type="arabicPeriod"/>
             </a:pPr>
             <a:r>
-              <a:rPr lang="en-GB" sz="2800" dirty="0">
+              <a:rPr lang="en-GB" sz="2200" dirty="0">
                 <a:effectLst/>
                 <a:latin typeface="Calibri" panose="020F0502020204030204" pitchFamily="34" charset="0"/>
                 <a:ea typeface="Calibri" panose="020F0502020204030204" pitchFamily="34" charset="0"/>
@@ -14399,20 +14008,6 @@
               </a:rPr>
               <a:t>Assess how factors such as aircraft age, manufacturer, engine type, and passenger capacity influence accident frequency and severity.</a:t>
             </a:r>
-            <a:br>
-              <a:rPr lang="en-GB" sz="2800" dirty="0">
-                <a:effectLst/>
-                <a:latin typeface="Calibri" panose="020F0502020204030204" pitchFamily="34" charset="0"/>
-                <a:ea typeface="Calibri" panose="020F0502020204030204" pitchFamily="34" charset="0"/>
-                <a:cs typeface="Times New Roman" panose="02020603050405020304" pitchFamily="18" charset="0"/>
-              </a:rPr>
-            </a:br>
-            <a:endParaRPr lang="en-GB" sz="2800" dirty="0">
-              <a:effectLst/>
-              <a:latin typeface="Calibri" panose="020F0502020204030204" pitchFamily="34" charset="0"/>
-              <a:ea typeface="Calibri" panose="020F0502020204030204" pitchFamily="34" charset="0"/>
-              <a:cs typeface="Times New Roman" panose="02020603050405020304" pitchFamily="18" charset="0"/>
-            </a:endParaRPr>
           </a:p>
           <a:p>
             <a:pPr marL="514350" indent="-514350" algn="ctr">
@@ -14420,7 +14015,7 @@
               <a:buAutoNum type="arabicPeriod"/>
             </a:pPr>
             <a:r>
-              <a:rPr lang="en-GB" sz="2800" dirty="0">
+              <a:rPr lang="en-GB" sz="2200" dirty="0">
                 <a:effectLst/>
                 <a:latin typeface="Calibri" panose="020F0502020204030204" pitchFamily="34" charset="0"/>
                 <a:ea typeface="Calibri" panose="020F0502020204030204" pitchFamily="34" charset="0"/>
@@ -14428,7 +14023,76 @@
               </a:rPr>
               <a:t>Determine how different weather conditions and regions contribute to aircraft accidents and identify aircraft best suited for various environments.</a:t>
             </a:r>
-            <a:endParaRPr lang="en-KE" sz="2800" dirty="0"/>
+            <a:endParaRPr lang="en-KE" sz="2200" dirty="0"/>
+          </a:p>
+        </p:txBody>
+      </p:sp>
+      <p:sp>
+        <p:nvSpPr>
+          <p:cNvPr id="4" name="TextBox 3">
+            <a:extLst>
+              <a:ext uri="{FF2B5EF4-FFF2-40B4-BE49-F238E27FC236}">
+                <a16:creationId xmlns:a16="http://schemas.microsoft.com/office/drawing/2014/main" id="{65573974-B832-71C2-8254-FCE16AC176F0}"/>
+              </a:ext>
+            </a:extLst>
+          </p:cNvPr>
+          <p:cNvSpPr txBox="1"/>
+          <p:nvPr/>
+        </p:nvSpPr>
+        <p:spPr>
+          <a:xfrm>
+            <a:off x="838200" y="2204002"/>
+            <a:ext cx="10515600" cy="1477328"/>
+          </a:xfrm>
+          <a:prstGeom prst="rect">
+            <a:avLst/>
+          </a:prstGeom>
+          <a:solidFill>
+            <a:schemeClr val="accent4">
+              <a:lumMod val="40000"/>
+              <a:lumOff val="60000"/>
+            </a:schemeClr>
+          </a:solidFill>
+        </p:spPr>
+        <p:txBody>
+          <a:bodyPr wrap="square" rtlCol="0">
+            <a:spAutoFit/>
+          </a:bodyPr>
+          <a:lstStyle/>
+          <a:p>
+            <a:pPr algn="ctr"/>
+            <a:r>
+              <a:rPr lang="en-GB" sz="2400" b="1" u="sng" kern="100" dirty="0">
+                <a:effectLst/>
+                <a:latin typeface="Calibri" panose="020F0502020204030204" pitchFamily="34" charset="0"/>
+                <a:ea typeface="Calibri" panose="020F0502020204030204" pitchFamily="34" charset="0"/>
+                <a:cs typeface="Times New Roman" panose="02020603050405020304" pitchFamily="18" charset="0"/>
+              </a:rPr>
+              <a:t>GENERAL OBJECTIVE:</a:t>
+            </a:r>
+            <a:br>
+              <a:rPr lang="en-GB" sz="2200" b="1" u="sng" kern="100" dirty="0">
+                <a:effectLst/>
+                <a:latin typeface="Calibri" panose="020F0502020204030204" pitchFamily="34" charset="0"/>
+                <a:ea typeface="Calibri" panose="020F0502020204030204" pitchFamily="34" charset="0"/>
+                <a:cs typeface="Times New Roman" panose="02020603050405020304" pitchFamily="18" charset="0"/>
+              </a:rPr>
+            </a:br>
+            <a:r>
+              <a:rPr lang="en-GB" sz="2200" kern="100" dirty="0">
+                <a:effectLst/>
+                <a:latin typeface="Calibri" panose="020F0502020204030204" pitchFamily="34" charset="0"/>
+                <a:ea typeface="Calibri" panose="020F0502020204030204" pitchFamily="34" charset="0"/>
+                <a:cs typeface="Times New Roman" panose="02020603050405020304" pitchFamily="18" charset="0"/>
+              </a:rPr>
+              <a:t>To identify the safest and most reliable aircraft for commercial and private operations by analysing historical accident data, assessing risk factors, and providing actionable insights for informed decision-making.</a:t>
+            </a:r>
+            <a:endParaRPr lang="en-KE" sz="2200" kern="100" dirty="0">
+              <a:effectLst/>
+              <a:latin typeface="Calibri" panose="020F0502020204030204" pitchFamily="34" charset="0"/>
+              <a:ea typeface="Calibri" panose="020F0502020204030204" pitchFamily="34" charset="0"/>
+              <a:cs typeface="Times New Roman" panose="02020603050405020304" pitchFamily="18" charset="0"/>
+            </a:endParaRPr>
           </a:p>
         </p:txBody>
       </p:sp>
@@ -14445,7 +14109,7 @@
 </p:sld>
 </file>
 
-<file path=ppt/slides/slide5.xml><?xml version="1.0" encoding="utf-8"?>
+<file path=ppt/slides/slide4.xml><?xml version="1.0" encoding="utf-8"?>
 <p:sld xmlns:a="http://schemas.openxmlformats.org/drawingml/2006/main" xmlns:r="http://schemas.openxmlformats.org/officeDocument/2006/relationships" xmlns:p="http://schemas.openxmlformats.org/presentationml/2006/main">
   <p:cSld>
     <p:spTree>
@@ -14470,19 +14134,17 @@
       </p:grpSpPr>
       <p:pic>
         <p:nvPicPr>
-          <p:cNvPr id="5" name="Content Placeholder 4">
+          <p:cNvPr id="20" name="Picture 19">
             <a:extLst>
               <a:ext uri="{FF2B5EF4-FFF2-40B4-BE49-F238E27FC236}">
-                <a16:creationId xmlns:a16="http://schemas.microsoft.com/office/drawing/2014/main" id="{38EBFE95-64AC-AB31-BBBD-D1F4834F1381}"/>
+                <a16:creationId xmlns:a16="http://schemas.microsoft.com/office/drawing/2014/main" id="{8AB7167E-7BAE-8DEB-4B84-6E6DECE125EB}"/>
               </a:ext>
             </a:extLst>
           </p:cNvPr>
           <p:cNvPicPr>
-            <a:picLocks noGrp="1" noChangeAspect="1"/>
+            <a:picLocks noChangeAspect="1"/>
           </p:cNvPicPr>
-          <p:nvPr>
-            <p:ph idx="1"/>
-          </p:nvPr>
+          <p:nvPr/>
         </p:nvPicPr>
         <p:blipFill>
           <a:blip r:embed="rId2"/>
@@ -14492,15 +14154,236 @@
         </p:blipFill>
         <p:spPr>
           <a:xfrm>
-            <a:off x="1407203" y="1176566"/>
-            <a:ext cx="8696090" cy="5712966"/>
+            <a:off x="63064" y="472966"/>
+            <a:ext cx="9932822" cy="5600036"/>
           </a:xfrm>
+          <a:prstGeom prst="rect">
+            <a:avLst/>
+          </a:prstGeom>
+          <a:ln>
+            <a:solidFill>
+              <a:schemeClr val="tx1"/>
+            </a:solidFill>
+          </a:ln>
+        </p:spPr>
+      </p:pic>
+      <p:sp>
+        <p:nvSpPr>
+          <p:cNvPr id="18" name="TextBox 17">
+            <a:extLst>
+              <a:ext uri="{FF2B5EF4-FFF2-40B4-BE49-F238E27FC236}">
+                <a16:creationId xmlns:a16="http://schemas.microsoft.com/office/drawing/2014/main" id="{4F7295A4-6A97-0AB4-8B15-7876CDAA8C69}"/>
+              </a:ext>
+            </a:extLst>
+          </p:cNvPr>
+          <p:cNvSpPr txBox="1"/>
+          <p:nvPr/>
+        </p:nvSpPr>
+        <p:spPr>
+          <a:xfrm>
+            <a:off x="9201468" y="1026215"/>
+            <a:ext cx="2990532" cy="4493538"/>
+          </a:xfrm>
+          <a:prstGeom prst="rect">
+            <a:avLst/>
+          </a:prstGeom>
+          <a:solidFill>
+            <a:schemeClr val="bg2"/>
+          </a:solidFill>
+        </p:spPr>
+        <p:txBody>
+          <a:bodyPr wrap="square" rtlCol="0">
+            <a:spAutoFit/>
+          </a:bodyPr>
+          <a:lstStyle/>
+          <a:p>
+            <a:r>
+              <a:rPr lang="en-US" sz="2200" dirty="0"/>
+              <a:t>The number of accident cases has reduced over the last few years.</a:t>
+            </a:r>
+            <a:br>
+              <a:rPr lang="en-US" sz="2200" dirty="0"/>
+            </a:br>
+            <a:br>
+              <a:rPr lang="en-US" sz="2200" dirty="0"/>
+            </a:br>
+            <a:r>
+              <a:rPr lang="en-US" sz="2200" dirty="0"/>
+              <a:t>This indicated a good grasp and integration of aviation measures.</a:t>
+            </a:r>
+            <a:br>
+              <a:rPr lang="en-US" sz="2200" dirty="0"/>
+            </a:br>
+            <a:br>
+              <a:rPr lang="en-US" sz="2200" dirty="0"/>
+            </a:br>
+            <a:r>
+              <a:rPr lang="en-US" sz="2200" dirty="0"/>
+              <a:t>However, this needs to be zoomed in to the last 20 years.</a:t>
+            </a:r>
+            <a:endParaRPr lang="en-KE" sz="2200" dirty="0"/>
+          </a:p>
+        </p:txBody>
+      </p:sp>
+    </p:spTree>
+    <p:extLst>
+      <p:ext uri="{BB962C8B-B14F-4D97-AF65-F5344CB8AC3E}">
+        <p14:creationId xmlns:p14="http://schemas.microsoft.com/office/powerpoint/2010/main" val="678206411"/>
+      </p:ext>
+    </p:extLst>
+  </p:cSld>
+  <p:clrMapOvr>
+    <a:masterClrMapping/>
+  </p:clrMapOvr>
+</p:sld>
+</file>
+
+<file path=ppt/slides/slide5.xml><?xml version="1.0" encoding="utf-8"?>
+<p:sld xmlns:a="http://schemas.openxmlformats.org/drawingml/2006/main" xmlns:r="http://schemas.openxmlformats.org/officeDocument/2006/relationships" xmlns:p="http://schemas.openxmlformats.org/presentationml/2006/main">
+  <p:cSld>
+    <p:spTree>
+      <p:nvGrpSpPr>
+        <p:cNvPr id="1" name=""/>
+        <p:cNvGrpSpPr/>
+        <p:nvPr/>
+      </p:nvGrpSpPr>
+      <p:grpSpPr>
+        <a:xfrm>
+          <a:off x="0" y="0"/>
+          <a:ext cx="0" cy="0"/>
+          <a:chOff x="0" y="0"/>
+          <a:chExt cx="0" cy="0"/>
+        </a:xfrm>
+      </p:grpSpPr>
+      <p:sp>
+        <p:nvSpPr>
+          <p:cNvPr id="3" name="Content Placeholder 2">
+            <a:extLst>
+              <a:ext uri="{FF2B5EF4-FFF2-40B4-BE49-F238E27FC236}">
+                <a16:creationId xmlns:a16="http://schemas.microsoft.com/office/drawing/2014/main" id="{0AB2A0E7-E762-47A9-D56F-993F3C53CADF}"/>
+              </a:ext>
+            </a:extLst>
+          </p:cNvPr>
+          <p:cNvSpPr>
+            <a:spLocks noGrp="1"/>
+          </p:cNvSpPr>
+          <p:nvPr>
+            <p:ph idx="1"/>
+          </p:nvPr>
+        </p:nvSpPr>
+        <p:spPr>
+          <a:xfrm>
+            <a:off x="8693713" y="462360"/>
+            <a:ext cx="3172246" cy="5985739"/>
+          </a:xfrm>
+          <a:solidFill>
+            <a:schemeClr val="accent4">
+              <a:lumMod val="40000"/>
+              <a:lumOff val="60000"/>
+            </a:schemeClr>
+          </a:solidFill>
+          <a:ln>
+            <a:solidFill>
+              <a:schemeClr val="tx1">
+                <a:lumMod val="95000"/>
+                <a:lumOff val="5000"/>
+              </a:schemeClr>
+            </a:solidFill>
+          </a:ln>
+        </p:spPr>
+        <p:txBody>
+          <a:bodyPr>
+            <a:normAutofit lnSpcReduction="10000"/>
+          </a:bodyPr>
+          <a:lstStyle/>
+          <a:p>
+            <a:pPr marL="0" indent="0">
+              <a:buNone/>
+            </a:pPr>
+            <a:r>
+              <a:rPr lang="en-US" sz="2200" dirty="0"/>
+              <a:t>As at the 2007-08 the </a:t>
+            </a:r>
+            <a:r>
+              <a:rPr lang="en-US" sz="2200" dirty="0">
+                <a:solidFill>
+                  <a:schemeClr val="tx1"/>
+                </a:solidFill>
+              </a:rPr>
+              <a:t>number</a:t>
+            </a:r>
+            <a:r>
+              <a:rPr lang="en-US" sz="2200" dirty="0"/>
+              <a:t> of cases shoot up. This was more pronounced in 2013 and have come cross in 2018. </a:t>
+            </a:r>
+            <a:br>
+              <a:rPr lang="en-US" sz="2200" dirty="0"/>
+            </a:br>
+            <a:br>
+              <a:rPr lang="en-US" sz="2200" dirty="0"/>
+            </a:br>
+            <a:r>
+              <a:rPr lang="en-US" sz="2200" dirty="0"/>
+              <a:t>This should not however be a deterrent to the company to have confident in measures in aviation.</a:t>
+            </a:r>
+          </a:p>
+          <a:p>
+            <a:pPr marL="0" indent="0">
+              <a:buNone/>
+            </a:pPr>
+            <a:endParaRPr lang="en-US" sz="2200" dirty="0"/>
+          </a:p>
+          <a:p>
+            <a:pPr marL="0" indent="0">
+              <a:buNone/>
+            </a:pPr>
+            <a:r>
+              <a:rPr lang="en-US" sz="2200" dirty="0"/>
+              <a:t>On a bright note, the accidents have been on a note-worthy decline.</a:t>
+            </a:r>
+            <a:endParaRPr lang="en-KE" sz="2200" dirty="0"/>
+          </a:p>
+        </p:txBody>
+      </p:sp>
+      <p:pic>
+        <p:nvPicPr>
+          <p:cNvPr id="6" name="Picture 5">
+            <a:extLst>
+              <a:ext uri="{FF2B5EF4-FFF2-40B4-BE49-F238E27FC236}">
+                <a16:creationId xmlns:a16="http://schemas.microsoft.com/office/drawing/2014/main" id="{252582C5-1125-C1D9-32E3-13A71A70BA55}"/>
+              </a:ext>
+            </a:extLst>
+          </p:cNvPr>
+          <p:cNvPicPr>
+            <a:picLocks noChangeAspect="1"/>
+          </p:cNvPicPr>
+          <p:nvPr/>
+        </p:nvPicPr>
+        <p:blipFill>
+          <a:blip r:embed="rId2"/>
+          <a:stretch>
+            <a:fillRect/>
+          </a:stretch>
+        </p:blipFill>
+        <p:spPr>
+          <a:xfrm>
+            <a:off x="326041" y="453169"/>
+            <a:ext cx="8351912" cy="5994930"/>
+          </a:xfrm>
+          <a:prstGeom prst="rect">
+            <a:avLst/>
+          </a:prstGeom>
+          <a:ln>
+            <a:solidFill>
+              <a:schemeClr val="tx1"/>
+            </a:solidFill>
+          </a:ln>
         </p:spPr>
       </p:pic>
     </p:spTree>
     <p:extLst>
       <p:ext uri="{BB962C8B-B14F-4D97-AF65-F5344CB8AC3E}">
-        <p14:creationId xmlns:p14="http://schemas.microsoft.com/office/powerpoint/2010/main" val="678206411"/>
+        <p14:creationId xmlns:p14="http://schemas.microsoft.com/office/powerpoint/2010/main" val="2585202320"/>
       </p:ext>
     </p:extLst>
   </p:cSld>
@@ -14527,71 +14410,68 @@
           <a:chExt cx="0" cy="0"/>
         </a:xfrm>
       </p:grpSpPr>
-      <p:pic>
-        <p:nvPicPr>
-          <p:cNvPr id="5" name="Content Placeholder 4">
+      <p:sp>
+        <p:nvSpPr>
+          <p:cNvPr id="4" name="TextBox 3">
             <a:extLst>
               <a:ext uri="{FF2B5EF4-FFF2-40B4-BE49-F238E27FC236}">
-                <a16:creationId xmlns:a16="http://schemas.microsoft.com/office/drawing/2014/main" id="{4637599C-F9D8-6BCD-F371-4B2C9ABF48A5}"/>
+                <a16:creationId xmlns:a16="http://schemas.microsoft.com/office/drawing/2014/main" id="{94D57DEA-65F9-B9B4-D1C4-12BAE18FDD2D}"/>
               </a:ext>
             </a:extLst>
           </p:cNvPr>
-          <p:cNvPicPr>
-            <a:picLocks noGrp="1" noChangeAspect="1"/>
-          </p:cNvPicPr>
-          <p:nvPr>
-            <p:ph idx="1"/>
-          </p:nvPr>
-        </p:nvPicPr>
-        <p:blipFill>
-          <a:blip r:embed="rId2"/>
-          <a:stretch>
-            <a:fillRect/>
-          </a:stretch>
-        </p:blipFill>
+          <p:cNvSpPr txBox="1"/>
+          <p:nvPr/>
+        </p:nvSpPr>
         <p:spPr>
           <a:xfrm>
-            <a:off x="1403131" y="683248"/>
-            <a:ext cx="8760721" cy="6009771"/>
+            <a:off x="425668" y="458400"/>
+            <a:ext cx="2664372" cy="6186309"/>
           </a:xfrm>
+          <a:prstGeom prst="rect">
+            <a:avLst/>
+          </a:prstGeom>
+          <a:solidFill>
+            <a:schemeClr val="accent4">
+              <a:lumMod val="40000"/>
+              <a:lumOff val="60000"/>
+            </a:schemeClr>
+          </a:solidFill>
+          <a:ln>
+            <a:solidFill>
+              <a:schemeClr val="tx1"/>
+            </a:solidFill>
+          </a:ln>
         </p:spPr>
-      </p:pic>
-    </p:spTree>
-    <p:extLst>
-      <p:ext uri="{BB962C8B-B14F-4D97-AF65-F5344CB8AC3E}">
-        <p14:creationId xmlns:p14="http://schemas.microsoft.com/office/powerpoint/2010/main" val="2585202320"/>
-      </p:ext>
-    </p:extLst>
-  </p:cSld>
-  <p:clrMapOvr>
-    <a:masterClrMapping/>
-  </p:clrMapOvr>
-</p:sld>
-</file>
-
-<file path=ppt/slides/slide7.xml><?xml version="1.0" encoding="utf-8"?>
-<p:sld xmlns:a="http://schemas.openxmlformats.org/drawingml/2006/main" xmlns:r="http://schemas.openxmlformats.org/officeDocument/2006/relationships" xmlns:p="http://schemas.openxmlformats.org/presentationml/2006/main">
-  <p:cSld>
-    <p:spTree>
-      <p:nvGrpSpPr>
-        <p:cNvPr id="1" name=""/>
-        <p:cNvGrpSpPr/>
-        <p:nvPr/>
-      </p:nvGrpSpPr>
-      <p:grpSpPr>
-        <a:xfrm>
-          <a:off x="0" y="0"/>
-          <a:ext cx="0" cy="0"/>
-          <a:chOff x="0" y="0"/>
-          <a:chExt cx="0" cy="0"/>
-        </a:xfrm>
-      </p:grpSpPr>
+        <p:txBody>
+          <a:bodyPr wrap="square" rtlCol="0">
+            <a:spAutoFit/>
+          </a:bodyPr>
+          <a:lstStyle/>
+          <a:p>
+            <a:r>
+              <a:rPr lang="en-US" sz="2200" dirty="0"/>
+              <a:t>Airplane lead with an unprecedented difference with the other 2 type of aircraft. </a:t>
+            </a:r>
+            <a:br>
+              <a:rPr lang="en-US" sz="2200" dirty="0"/>
+            </a:br>
+            <a:br>
+              <a:rPr lang="en-US" sz="2200" dirty="0"/>
+            </a:br>
+            <a:r>
+              <a:rPr lang="en-US" sz="2200" dirty="0"/>
+              <a:t>This could suggest that Airplanes are more prone to accidents than Helicopter and parachutes however their carrying capacity is to be considered as closely.</a:t>
+            </a:r>
+            <a:endParaRPr lang="en-KE" sz="2200" dirty="0"/>
+          </a:p>
+        </p:txBody>
+      </p:sp>
       <p:pic>
         <p:nvPicPr>
-          <p:cNvPr id="9" name="Picture 8">
+          <p:cNvPr id="3" name="Picture 2">
             <a:extLst>
               <a:ext uri="{FF2B5EF4-FFF2-40B4-BE49-F238E27FC236}">
-                <a16:creationId xmlns:a16="http://schemas.microsoft.com/office/drawing/2014/main" id="{6DD752D8-5BBB-E9DD-C53E-C98F1393C333}"/>
+                <a16:creationId xmlns:a16="http://schemas.microsoft.com/office/drawing/2014/main" id="{6FFE3E67-41EA-8E26-99FF-EAD04E1EA61B}"/>
               </a:ext>
             </a:extLst>
           </p:cNvPr>
@@ -14608,12 +14488,17 @@
         </p:blipFill>
         <p:spPr>
           <a:xfrm>
-            <a:off x="599093" y="31532"/>
-            <a:ext cx="10055854" cy="6906405"/>
+            <a:off x="2979697" y="474166"/>
+            <a:ext cx="8915522" cy="6140928"/>
           </a:xfrm>
           <a:prstGeom prst="rect">
             <a:avLst/>
           </a:prstGeom>
+          <a:ln>
+            <a:solidFill>
+              <a:schemeClr val="tx1"/>
+            </a:solidFill>
+          </a:ln>
         </p:spPr>
       </p:pic>
     </p:spTree>
@@ -14629,7 +14514,7 @@
 </p:sld>
 </file>
 
-<file path=ppt/slides/slide8.xml><?xml version="1.0" encoding="utf-8"?>
+<file path=ppt/slides/slide7.xml><?xml version="1.0" encoding="utf-8"?>
 <p:sld xmlns:a="http://schemas.openxmlformats.org/drawingml/2006/main" xmlns:r="http://schemas.openxmlformats.org/officeDocument/2006/relationships" xmlns:p="http://schemas.openxmlformats.org/presentationml/2006/main">
   <p:cSld>
     <p:spTree>
@@ -14654,19 +14539,17 @@
       </p:grpSpPr>
       <p:pic>
         <p:nvPicPr>
-          <p:cNvPr id="5" name="Content Placeholder 4">
+          <p:cNvPr id="6" name="Picture 5">
             <a:extLst>
               <a:ext uri="{FF2B5EF4-FFF2-40B4-BE49-F238E27FC236}">
-                <a16:creationId xmlns:a16="http://schemas.microsoft.com/office/drawing/2014/main" id="{55FC8A0C-C2EA-06E5-F5A4-2BDF12CB9D0B}"/>
+                <a16:creationId xmlns:a16="http://schemas.microsoft.com/office/drawing/2014/main" id="{91D615F2-638D-BB0F-897C-FA68FF303B57}"/>
               </a:ext>
             </a:extLst>
           </p:cNvPr>
           <p:cNvPicPr>
-            <a:picLocks noGrp="1" noChangeAspect="1"/>
+            <a:picLocks noChangeAspect="1"/>
           </p:cNvPicPr>
-          <p:nvPr>
-            <p:ph idx="1"/>
-          </p:nvPr>
+          <p:nvPr/>
         </p:nvPicPr>
         <p:blipFill>
           <a:blip r:embed="rId2"/>
@@ -14676,11 +14559,120 @@
         </p:blipFill>
         <p:spPr>
           <a:xfrm>
-            <a:off x="1004945" y="79427"/>
-            <a:ext cx="9709130" cy="6699146"/>
+            <a:off x="478220" y="451103"/>
+            <a:ext cx="8466083" cy="5852477"/>
           </a:xfrm>
+          <a:prstGeom prst="rect">
+            <a:avLst/>
+          </a:prstGeom>
+          <a:ln>
+            <a:solidFill>
+              <a:schemeClr val="tx1"/>
+            </a:solidFill>
+          </a:ln>
         </p:spPr>
       </p:pic>
+      <p:sp>
+        <p:nvSpPr>
+          <p:cNvPr id="3" name="Content Placeholder 2">
+            <a:extLst>
+              <a:ext uri="{FF2B5EF4-FFF2-40B4-BE49-F238E27FC236}">
+                <a16:creationId xmlns:a16="http://schemas.microsoft.com/office/drawing/2014/main" id="{2F68CE9B-AB57-2694-AB84-1D1FC5DF753B}"/>
+              </a:ext>
+            </a:extLst>
+          </p:cNvPr>
+          <p:cNvSpPr>
+            <a:spLocks noGrp="1"/>
+          </p:cNvSpPr>
+          <p:nvPr>
+            <p:ph idx="1"/>
+          </p:nvPr>
+        </p:nvSpPr>
+        <p:spPr>
+          <a:xfrm>
+            <a:off x="8944303" y="993228"/>
+            <a:ext cx="2769477" cy="5310352"/>
+          </a:xfrm>
+          <a:solidFill>
+            <a:schemeClr val="accent4">
+              <a:lumMod val="40000"/>
+              <a:lumOff val="60000"/>
+            </a:schemeClr>
+          </a:solidFill>
+          <a:ln>
+            <a:solidFill>
+              <a:schemeClr val="tx1"/>
+            </a:solidFill>
+          </a:ln>
+        </p:spPr>
+        <p:txBody>
+          <a:bodyPr>
+            <a:normAutofit fontScale="92500"/>
+          </a:bodyPr>
+          <a:lstStyle/>
+          <a:p>
+            <a:pPr marL="0" indent="0">
+              <a:buNone/>
+            </a:pPr>
+            <a:r>
+              <a:rPr lang="en-US" sz="2200" b="1" dirty="0"/>
+              <a:t>Cessna</a:t>
+            </a:r>
+            <a:r>
+              <a:rPr lang="en-US" sz="2200" dirty="0"/>
+              <a:t> appeared to be leading the pack of makers with an </a:t>
+            </a:r>
+            <a:r>
+              <a:rPr lang="en-US" sz="2200" i="1" dirty="0"/>
+              <a:t>alarming record of accidents </a:t>
+            </a:r>
+            <a:r>
+              <a:rPr lang="en-US" sz="2200" dirty="0"/>
+              <a:t>followed closely by </a:t>
+            </a:r>
+            <a:r>
+              <a:rPr lang="en-US" sz="2200" b="1" dirty="0"/>
+              <a:t>Piper</a:t>
+            </a:r>
+            <a:r>
+              <a:rPr lang="en-US" sz="2200" dirty="0"/>
+              <a:t>, </a:t>
+            </a:r>
+            <a:r>
+              <a:rPr lang="en-US" sz="2200" b="1" dirty="0"/>
+              <a:t>Beech</a:t>
+            </a:r>
+            <a:r>
+              <a:rPr lang="en-US" sz="2200" dirty="0"/>
+              <a:t> and </a:t>
+            </a:r>
+            <a:r>
+              <a:rPr lang="en-US" sz="2200" b="1" dirty="0"/>
+              <a:t>Boeing</a:t>
+            </a:r>
+            <a:r>
+              <a:rPr lang="en-US" sz="2200" dirty="0"/>
+              <a:t>.</a:t>
+            </a:r>
+          </a:p>
+          <a:p>
+            <a:pPr marL="0" indent="0">
+              <a:buNone/>
+            </a:pPr>
+            <a:br>
+              <a:rPr lang="en-US" sz="2200" dirty="0"/>
+            </a:br>
+            <a:r>
+              <a:rPr lang="en-US" sz="2200" dirty="0"/>
+              <a:t>Despite this observation a close eye should be put on this list of top 10 manufacturers.</a:t>
+            </a:r>
+            <a:br>
+              <a:rPr lang="en-US" sz="2200" dirty="0"/>
+            </a:br>
+            <a:endParaRPr lang="en-KE" sz="2200" dirty="0"/>
+          </a:p>
+        </p:txBody>
+      </p:sp>
     </p:spTree>
     <p:extLst>
       <p:ext uri="{BB962C8B-B14F-4D97-AF65-F5344CB8AC3E}">
@@ -14694,7 +14686,7 @@
 </p:sld>
 </file>
 
-<file path=ppt/slides/slide9.xml><?xml version="1.0" encoding="utf-8"?>
+<file path=ppt/slides/slide8.xml><?xml version="1.0" encoding="utf-8"?>
 <p:sld xmlns:a="http://schemas.openxmlformats.org/drawingml/2006/main" xmlns:r="http://schemas.openxmlformats.org/officeDocument/2006/relationships" xmlns:p="http://schemas.openxmlformats.org/presentationml/2006/main">
   <p:cSld>
     <p:spTree>
@@ -14717,21 +14709,101 @@
           <a:chExt cx="0" cy="0"/>
         </a:xfrm>
       </p:grpSpPr>
+      <p:sp>
+        <p:nvSpPr>
+          <p:cNvPr id="3" name="Content Placeholder 2">
+            <a:extLst>
+              <a:ext uri="{FF2B5EF4-FFF2-40B4-BE49-F238E27FC236}">
+                <a16:creationId xmlns:a16="http://schemas.microsoft.com/office/drawing/2014/main" id="{2B716D64-E714-9353-A0D4-D888B1DA0C91}"/>
+              </a:ext>
+            </a:extLst>
+          </p:cNvPr>
+          <p:cNvSpPr>
+            <a:spLocks noGrp="1"/>
+          </p:cNvSpPr>
+          <p:nvPr>
+            <p:ph idx="1"/>
+          </p:nvPr>
+        </p:nvSpPr>
+        <p:spPr>
+          <a:xfrm>
+            <a:off x="8797159" y="472966"/>
+            <a:ext cx="2971922" cy="5531069"/>
+          </a:xfrm>
+          <a:solidFill>
+            <a:schemeClr val="accent4">
+              <a:lumMod val="40000"/>
+              <a:lumOff val="60000"/>
+            </a:schemeClr>
+          </a:solidFill>
+          <a:ln>
+            <a:solidFill>
+              <a:schemeClr val="tx1"/>
+            </a:solidFill>
+          </a:ln>
+        </p:spPr>
+        <p:txBody>
+          <a:bodyPr>
+            <a:normAutofit fontScale="85000" lnSpcReduction="20000"/>
+          </a:bodyPr>
+          <a:lstStyle/>
+          <a:p>
+            <a:pPr marL="0" indent="0">
+              <a:buNone/>
+            </a:pPr>
+            <a:r>
+              <a:rPr lang="en-US" sz="2800" b="1" u="sng" dirty="0"/>
+              <a:t>Inference: </a:t>
+            </a:r>
+          </a:p>
+          <a:p>
+            <a:pPr marL="0" indent="0">
+              <a:buNone/>
+            </a:pPr>
+            <a:br>
+              <a:rPr lang="en-US" sz="2400" b="1" u="sng" dirty="0"/>
+            </a:br>
+            <a:r>
+              <a:rPr lang="en-US" sz="2400" dirty="0"/>
+              <a:t>The United States appeared to stand out on the number of accidents. </a:t>
+            </a:r>
+            <a:br>
+              <a:rPr lang="en-US" sz="2400" dirty="0"/>
+            </a:br>
+            <a:br>
+              <a:rPr lang="en-US" sz="2400" dirty="0"/>
+            </a:br>
+            <a:r>
+              <a:rPr lang="en-US" sz="2400" dirty="0"/>
+              <a:t>A quick filter revealed that California, Texas, Florida, Alaska and Colorado are more prone to accidents than any other part in the world.</a:t>
+            </a:r>
+            <a:br>
+              <a:rPr lang="en-US" sz="2400" dirty="0"/>
+            </a:br>
+            <a:br>
+              <a:rPr lang="en-US" sz="2400" dirty="0"/>
+            </a:br>
+            <a:r>
+              <a:rPr lang="en-US" sz="2400" dirty="0"/>
+              <a:t>This is a good reflection of the areas. Any action necessitates more attention.</a:t>
+            </a:r>
+            <a:endParaRPr lang="en-KE" sz="2400" dirty="0"/>
+          </a:p>
+        </p:txBody>
+      </p:sp>
       <p:pic>
         <p:nvPicPr>
-          <p:cNvPr id="5" name="Content Placeholder 4">
+          <p:cNvPr id="6" name="Picture 5">
             <a:extLst>
               <a:ext uri="{FF2B5EF4-FFF2-40B4-BE49-F238E27FC236}">
-                <a16:creationId xmlns:a16="http://schemas.microsoft.com/office/drawing/2014/main" id="{BA195F59-D34E-39ED-2417-6BB85D996391}"/>
+                <a16:creationId xmlns:a16="http://schemas.microsoft.com/office/drawing/2014/main" id="{5D44DC50-9694-4B76-1EA4-0E02FB1389F5}"/>
               </a:ext>
             </a:extLst>
           </p:cNvPr>
           <p:cNvPicPr>
-            <a:picLocks noGrp="1" noChangeAspect="1"/>
+            <a:picLocks noChangeAspect="1"/>
           </p:cNvPicPr>
-          <p:nvPr>
-            <p:ph idx="1"/>
-          </p:nvPr>
+          <p:nvPr/>
         </p:nvPicPr>
         <p:blipFill>
           <a:blip r:embed="rId2"/>
@@ -14741,15 +14813,265 @@
         </p:blipFill>
         <p:spPr>
           <a:xfrm>
-            <a:off x="291326" y="134007"/>
-            <a:ext cx="11145275" cy="6589986"/>
+            <a:off x="422919" y="457200"/>
+            <a:ext cx="8374240" cy="5743395"/>
           </a:xfrm>
+          <a:prstGeom prst="rect">
+            <a:avLst/>
+          </a:prstGeom>
+          <a:ln>
+            <a:solidFill>
+              <a:schemeClr val="tx1"/>
+            </a:solidFill>
+          </a:ln>
         </p:spPr>
       </p:pic>
     </p:spTree>
     <p:extLst>
       <p:ext uri="{BB962C8B-B14F-4D97-AF65-F5344CB8AC3E}">
         <p14:creationId xmlns:p14="http://schemas.microsoft.com/office/powerpoint/2010/main" val="2013726626"/>
+      </p:ext>
+    </p:extLst>
+  </p:cSld>
+  <p:clrMapOvr>
+    <a:masterClrMapping/>
+  </p:clrMapOvr>
+</p:sld>
+</file>
+
+<file path=ppt/slides/slide9.xml><?xml version="1.0" encoding="utf-8"?>
+<p:sld xmlns:a="http://schemas.openxmlformats.org/drawingml/2006/main" xmlns:r="http://schemas.openxmlformats.org/officeDocument/2006/relationships" xmlns:p="http://schemas.openxmlformats.org/presentationml/2006/main">
+  <p:cSld>
+    <p:spTree>
+      <p:nvGrpSpPr>
+        <p:cNvPr id="1" name=""/>
+        <p:cNvGrpSpPr/>
+        <p:nvPr/>
+      </p:nvGrpSpPr>
+      <p:grpSpPr>
+        <a:xfrm>
+          <a:off x="0" y="0"/>
+          <a:ext cx="0" cy="0"/>
+          <a:chOff x="0" y="0"/>
+          <a:chExt cx="0" cy="0"/>
+        </a:xfrm>
+      </p:grpSpPr>
+      <p:sp>
+        <p:nvSpPr>
+          <p:cNvPr id="2" name="Title 1">
+            <a:extLst>
+              <a:ext uri="{FF2B5EF4-FFF2-40B4-BE49-F238E27FC236}">
+                <a16:creationId xmlns:a16="http://schemas.microsoft.com/office/drawing/2014/main" id="{B94A3D4D-B82F-641F-3547-3CA34BB78BE9}"/>
+              </a:ext>
+            </a:extLst>
+          </p:cNvPr>
+          <p:cNvSpPr>
+            <a:spLocks noGrp="1"/>
+          </p:cNvSpPr>
+          <p:nvPr>
+            <p:ph type="title"/>
+          </p:nvPr>
+        </p:nvSpPr>
+        <p:spPr>
+          <a:xfrm>
+            <a:off x="1154954" y="973668"/>
+            <a:ext cx="9786315" cy="706964"/>
+          </a:xfrm>
+        </p:spPr>
+        <p:txBody>
+          <a:bodyPr/>
+          <a:lstStyle/>
+          <a:p>
+            <a:pPr algn="ctr"/>
+            <a:r>
+              <a:rPr lang="en-US" sz="4000" b="1" dirty="0">
+                <a:latin typeface="Arial Black" panose="020B0A04020102020204" pitchFamily="34" charset="0"/>
+              </a:rPr>
+              <a:t>CONCLUSION AND RECOMMENDATIONS</a:t>
+            </a:r>
+            <a:endParaRPr lang="en-KE" sz="4000" b="1" dirty="0">
+              <a:latin typeface="Arial Black" panose="020B0A04020102020204" pitchFamily="34" charset="0"/>
+            </a:endParaRPr>
+          </a:p>
+        </p:txBody>
+      </p:sp>
+      <p:sp>
+        <p:nvSpPr>
+          <p:cNvPr id="3" name="Content Placeholder 2">
+            <a:extLst>
+              <a:ext uri="{FF2B5EF4-FFF2-40B4-BE49-F238E27FC236}">
+                <a16:creationId xmlns:a16="http://schemas.microsoft.com/office/drawing/2014/main" id="{91A10C0F-9523-5A98-063A-A32FD884F19D}"/>
+              </a:ext>
+            </a:extLst>
+          </p:cNvPr>
+          <p:cNvSpPr>
+            <a:spLocks noGrp="1"/>
+          </p:cNvSpPr>
+          <p:nvPr>
+            <p:ph idx="1"/>
+          </p:nvPr>
+        </p:nvSpPr>
+        <p:spPr>
+          <a:xfrm>
+            <a:off x="482162" y="2181917"/>
+            <a:ext cx="11227675" cy="4376535"/>
+          </a:xfrm>
+        </p:spPr>
+        <p:txBody>
+          <a:bodyPr>
+            <a:normAutofit/>
+          </a:bodyPr>
+          <a:lstStyle/>
+          <a:p>
+            <a:pPr>
+              <a:buFont typeface="+mj-lt"/>
+              <a:buAutoNum type="arabicPeriod"/>
+            </a:pPr>
+            <a:r>
+              <a:rPr lang="en-US" sz="3200" dirty="0">
+                <a:solidFill>
+                  <a:schemeClr val="tx1"/>
+                </a:solidFill>
+              </a:rPr>
+              <a:t>We recommend that the company choose any other manufacturer other than </a:t>
+            </a:r>
+            <a:r>
+              <a:rPr lang="en-US" sz="3200" dirty="0">
+                <a:solidFill>
+                  <a:srgbClr val="FF0000"/>
+                </a:solidFill>
+              </a:rPr>
+              <a:t>Cessna</a:t>
+            </a:r>
+            <a:r>
+              <a:rPr lang="en-US" sz="3200" dirty="0">
+                <a:solidFill>
+                  <a:schemeClr val="tx1"/>
+                </a:solidFill>
+              </a:rPr>
+              <a:t>, </a:t>
+            </a:r>
+            <a:r>
+              <a:rPr lang="en-US" sz="3200" dirty="0">
+                <a:solidFill>
+                  <a:srgbClr val="FF0000"/>
+                </a:solidFill>
+              </a:rPr>
+              <a:t>Piper</a:t>
+            </a:r>
+            <a:r>
+              <a:rPr lang="en-US" sz="3200" dirty="0">
+                <a:solidFill>
+                  <a:schemeClr val="tx1"/>
+                </a:solidFill>
+              </a:rPr>
+              <a:t> and </a:t>
+            </a:r>
+            <a:r>
+              <a:rPr lang="en-US" sz="3200" dirty="0">
+                <a:solidFill>
+                  <a:srgbClr val="FF0000"/>
+                </a:solidFill>
+              </a:rPr>
+              <a:t>Beech</a:t>
+            </a:r>
+            <a:r>
+              <a:rPr lang="en-US" sz="3200" dirty="0">
+                <a:solidFill>
+                  <a:schemeClr val="tx1"/>
+                </a:solidFill>
+              </a:rPr>
+              <a:t>. </a:t>
+            </a:r>
+          </a:p>
+          <a:p>
+            <a:pPr>
+              <a:buFont typeface="+mj-lt"/>
+              <a:buAutoNum type="arabicPeriod"/>
+            </a:pPr>
+            <a:r>
+              <a:rPr lang="en-US" sz="3200" dirty="0">
+                <a:solidFill>
+                  <a:schemeClr val="tx1"/>
+                </a:solidFill>
+              </a:rPr>
+              <a:t>Any flight-plans in the United states especially in the mentioned </a:t>
+            </a:r>
+            <a:r>
+              <a:rPr lang="en-US" sz="3200" dirty="0">
+                <a:solidFill>
+                  <a:srgbClr val="FF0000"/>
+                </a:solidFill>
+              </a:rPr>
+              <a:t>5 states </a:t>
+            </a:r>
+            <a:r>
+              <a:rPr lang="en-US" sz="3200" dirty="0">
+                <a:solidFill>
+                  <a:schemeClr val="tx1"/>
+                </a:solidFill>
+              </a:rPr>
+              <a:t>prone to accidents should be considered with strict measures. </a:t>
+            </a:r>
+          </a:p>
+          <a:p>
+            <a:pPr>
+              <a:buFont typeface="+mj-lt"/>
+              <a:buAutoNum type="arabicPeriod"/>
+            </a:pPr>
+            <a:r>
+              <a:rPr lang="en-US" sz="3200" dirty="0">
+                <a:solidFill>
+                  <a:schemeClr val="tx1"/>
+                </a:solidFill>
+              </a:rPr>
+              <a:t>The </a:t>
+            </a:r>
+            <a:r>
+              <a:rPr lang="en-US" sz="3200" dirty="0">
+                <a:solidFill>
+                  <a:srgbClr val="FF0000"/>
+                </a:solidFill>
+              </a:rPr>
+              <a:t>Aircraft</a:t>
+            </a:r>
+            <a:r>
+              <a:rPr lang="en-US" sz="3200" dirty="0">
+                <a:solidFill>
+                  <a:schemeClr val="tx1"/>
+                </a:solidFill>
+              </a:rPr>
+              <a:t> with the most record of accident is Airplane. However, this should be considered since they have a higher capacity that the rest.</a:t>
+            </a:r>
+          </a:p>
+          <a:p>
+            <a:pPr>
+              <a:buFont typeface="+mj-lt"/>
+              <a:buAutoNum type="arabicPeriod"/>
+            </a:pPr>
+            <a:endParaRPr lang="en-US" sz="3200" dirty="0">
+              <a:solidFill>
+                <a:schemeClr val="tx1"/>
+              </a:solidFill>
+            </a:endParaRPr>
+          </a:p>
+          <a:p>
+            <a:pPr>
+              <a:buFont typeface="+mj-lt"/>
+              <a:buAutoNum type="arabicPeriod"/>
+            </a:pPr>
+            <a:endParaRPr lang="en-KE" sz="3200" dirty="0">
+              <a:solidFill>
+                <a:schemeClr val="tx1"/>
+              </a:solidFill>
+            </a:endParaRPr>
+          </a:p>
+        </p:txBody>
+      </p:sp>
+    </p:spTree>
+    <p:extLst>
+      <p:ext uri="{BB962C8B-B14F-4D97-AF65-F5344CB8AC3E}">
+        <p14:creationId xmlns:p14="http://schemas.microsoft.com/office/powerpoint/2010/main" val="1382671887"/>
       </p:ext>
     </p:extLst>
   </p:cSld>
